--- a/cluster_course/powerpoint/5_qsub.pptx
+++ b/cluster_course/powerpoint/5_qsub.pptx
@@ -10,11 +10,12 @@
     <p:sldId id="314" r:id="rId4"/>
     <p:sldId id="301" r:id="rId5"/>
     <p:sldId id="310" r:id="rId6"/>
-    <p:sldId id="286" r:id="rId7"/>
-    <p:sldId id="287" r:id="rId8"/>
-    <p:sldId id="322" r:id="rId9"/>
-    <p:sldId id="282" r:id="rId10"/>
-    <p:sldId id="323" r:id="rId11"/>
+    <p:sldId id="325" r:id="rId7"/>
+    <p:sldId id="286" r:id="rId8"/>
+    <p:sldId id="287" r:id="rId9"/>
+    <p:sldId id="322" r:id="rId10"/>
+    <p:sldId id="282" r:id="rId11"/>
+    <p:sldId id="323" r:id="rId12"/>
   </p:sldIdLst>
   <p:sldSz cx="12192000" cy="6858000"/>
   <p:notesSz cx="6858000" cy="9144000"/>
@@ -270,7 +271,7 @@
           <a:p>
             <a:fld id="{C47C7284-A6CB-4DDC-9758-16B7E815B14E}" type="datetimeFigureOut">
               <a:rPr lang="en-GB" smtClean="0"/>
-              <a:t>04/12/2018</a:t>
+              <a:t>22/05/2019</a:t>
             </a:fld>
             <a:endParaRPr lang="en-GB"/>
           </a:p>
@@ -470,7 +471,7 @@
           <a:p>
             <a:fld id="{C47C7284-A6CB-4DDC-9758-16B7E815B14E}" type="datetimeFigureOut">
               <a:rPr lang="en-GB" smtClean="0"/>
-              <a:t>04/12/2018</a:t>
+              <a:t>22/05/2019</a:t>
             </a:fld>
             <a:endParaRPr lang="en-GB"/>
           </a:p>
@@ -680,7 +681,7 @@
           <a:p>
             <a:fld id="{C47C7284-A6CB-4DDC-9758-16B7E815B14E}" type="datetimeFigureOut">
               <a:rPr lang="en-GB" smtClean="0"/>
-              <a:t>04/12/2018</a:t>
+              <a:t>22/05/2019</a:t>
             </a:fld>
             <a:endParaRPr lang="en-GB"/>
           </a:p>
@@ -880,7 +881,7 @@
           <a:p>
             <a:fld id="{C47C7284-A6CB-4DDC-9758-16B7E815B14E}" type="datetimeFigureOut">
               <a:rPr lang="en-GB" smtClean="0"/>
-              <a:t>04/12/2018</a:t>
+              <a:t>22/05/2019</a:t>
             </a:fld>
             <a:endParaRPr lang="en-GB"/>
           </a:p>
@@ -1156,7 +1157,7 @@
           <a:p>
             <a:fld id="{C47C7284-A6CB-4DDC-9758-16B7E815B14E}" type="datetimeFigureOut">
               <a:rPr lang="en-GB" smtClean="0"/>
-              <a:t>04/12/2018</a:t>
+              <a:t>22/05/2019</a:t>
             </a:fld>
             <a:endParaRPr lang="en-GB"/>
           </a:p>
@@ -1424,7 +1425,7 @@
           <a:p>
             <a:fld id="{C47C7284-A6CB-4DDC-9758-16B7E815B14E}" type="datetimeFigureOut">
               <a:rPr lang="en-GB" smtClean="0"/>
-              <a:t>04/12/2018</a:t>
+              <a:t>22/05/2019</a:t>
             </a:fld>
             <a:endParaRPr lang="en-GB"/>
           </a:p>
@@ -1839,7 +1840,7 @@
           <a:p>
             <a:fld id="{C47C7284-A6CB-4DDC-9758-16B7E815B14E}" type="datetimeFigureOut">
               <a:rPr lang="en-GB" smtClean="0"/>
-              <a:t>04/12/2018</a:t>
+              <a:t>22/05/2019</a:t>
             </a:fld>
             <a:endParaRPr lang="en-GB"/>
           </a:p>
@@ -1981,7 +1982,7 @@
           <a:p>
             <a:fld id="{C47C7284-A6CB-4DDC-9758-16B7E815B14E}" type="datetimeFigureOut">
               <a:rPr lang="en-GB" smtClean="0"/>
-              <a:t>04/12/2018</a:t>
+              <a:t>22/05/2019</a:t>
             </a:fld>
             <a:endParaRPr lang="en-GB"/>
           </a:p>
@@ -2094,7 +2095,7 @@
           <a:p>
             <a:fld id="{C47C7284-A6CB-4DDC-9758-16B7E815B14E}" type="datetimeFigureOut">
               <a:rPr lang="en-GB" smtClean="0"/>
-              <a:t>04/12/2018</a:t>
+              <a:t>22/05/2019</a:t>
             </a:fld>
             <a:endParaRPr lang="en-GB"/>
           </a:p>
@@ -2407,7 +2408,7 @@
           <a:p>
             <a:fld id="{C47C7284-A6CB-4DDC-9758-16B7E815B14E}" type="datetimeFigureOut">
               <a:rPr lang="en-GB" smtClean="0"/>
-              <a:t>04/12/2018</a:t>
+              <a:t>22/05/2019</a:t>
             </a:fld>
             <a:endParaRPr lang="en-GB"/>
           </a:p>
@@ -2696,7 +2697,7 @@
           <a:p>
             <a:fld id="{C47C7284-A6CB-4DDC-9758-16B7E815B14E}" type="datetimeFigureOut">
               <a:rPr lang="en-GB" smtClean="0"/>
-              <a:t>04/12/2018</a:t>
+              <a:t>22/05/2019</a:t>
             </a:fld>
             <a:endParaRPr lang="en-GB"/>
           </a:p>
@@ -2939,7 +2940,7 @@
           <a:p>
             <a:fld id="{C47C7284-A6CB-4DDC-9758-16B7E815B14E}" type="datetimeFigureOut">
               <a:rPr lang="en-GB" smtClean="0"/>
-              <a:t>04/12/2018</a:t>
+              <a:t>22/05/2019</a:t>
             </a:fld>
             <a:endParaRPr lang="en-GB"/>
           </a:p>
@@ -3445,6 +3446,483 @@
           <p:cNvPr id="2" name="Title 1">
             <a:extLst>
               <a:ext uri="{FF2B5EF4-FFF2-40B4-BE49-F238E27FC236}">
+                <a16:creationId xmlns:a16="http://schemas.microsoft.com/office/drawing/2014/main" id="{4E060FB7-106E-4BA6-9906-CCA751DDABD3}"/>
+              </a:ext>
+            </a:extLst>
+          </p:cNvPr>
+          <p:cNvSpPr>
+            <a:spLocks noGrp="1"/>
+          </p:cNvSpPr>
+          <p:nvPr>
+            <p:ph type="title"/>
+          </p:nvPr>
+        </p:nvSpPr>
+        <p:spPr>
+          <a:xfrm>
+            <a:off x="755650" y="-239662"/>
+            <a:ext cx="10515600" cy="1325563"/>
+          </a:xfrm>
+        </p:spPr>
+        <p:txBody>
+          <a:bodyPr/>
+          <a:lstStyle/>
+          <a:p>
+            <a:pPr algn="ctr"/>
+            <a:r>
+              <a:rPr lang="en-GB" dirty="0">
+                <a:solidFill>
+                  <a:srgbClr val="7030A0"/>
+                </a:solidFill>
+              </a:rPr>
+              <a:t>5) </a:t>
+            </a:r>
+            <a:r>
+              <a:rPr lang="en-GB" dirty="0" err="1">
+                <a:solidFill>
+                  <a:srgbClr val="7030A0"/>
+                </a:solidFill>
+              </a:rPr>
+              <a:t>qsub</a:t>
+            </a:r>
+            <a:r>
+              <a:rPr lang="en-GB" dirty="0">
+                <a:solidFill>
+                  <a:srgbClr val="7030A0"/>
+                </a:solidFill>
+              </a:rPr>
+              <a:t>: </a:t>
+            </a:r>
+            <a:r>
+              <a:rPr lang="en-GB" dirty="0" err="1">
+                <a:solidFill>
+                  <a:srgbClr val="0070C0"/>
+                </a:solidFill>
+              </a:rPr>
+              <a:t>qrsh</a:t>
+            </a:r>
+            <a:r>
+              <a:rPr lang="en-GB" dirty="0">
+                <a:solidFill>
+                  <a:srgbClr val="0070C0"/>
+                </a:solidFill>
+              </a:rPr>
+              <a:t> </a:t>
+            </a:r>
+            <a:r>
+              <a:rPr lang="en-GB" dirty="0">
+                <a:solidFill>
+                  <a:srgbClr val="7030A0"/>
+                </a:solidFill>
+              </a:rPr>
+              <a:t>- interactive </a:t>
+            </a:r>
+            <a:r>
+              <a:rPr lang="en-GB" dirty="0" err="1">
+                <a:solidFill>
+                  <a:srgbClr val="7030A0"/>
+                </a:solidFill>
+              </a:rPr>
+              <a:t>qsub</a:t>
+            </a:r>
+            <a:endParaRPr lang="en-GB" dirty="0">
+              <a:solidFill>
+                <a:srgbClr val="7030A0"/>
+              </a:solidFill>
+            </a:endParaRPr>
+          </a:p>
+        </p:txBody>
+      </p:sp>
+      <p:sp>
+        <p:nvSpPr>
+          <p:cNvPr id="3" name="Content Placeholder 2">
+            <a:extLst>
+              <a:ext uri="{FF2B5EF4-FFF2-40B4-BE49-F238E27FC236}">
+                <a16:creationId xmlns:a16="http://schemas.microsoft.com/office/drawing/2014/main" id="{3ED82606-AF34-40B0-93DE-6564CCBE1FB0}"/>
+              </a:ext>
+            </a:extLst>
+          </p:cNvPr>
+          <p:cNvSpPr>
+            <a:spLocks noGrp="1"/>
+          </p:cNvSpPr>
+          <p:nvPr>
+            <p:ph idx="1"/>
+          </p:nvPr>
+        </p:nvSpPr>
+        <p:spPr>
+          <a:xfrm>
+            <a:off x="433086" y="869105"/>
+            <a:ext cx="10515600" cy="5565775"/>
+          </a:xfrm>
+        </p:spPr>
+        <p:txBody>
+          <a:bodyPr>
+            <a:normAutofit fontScale="92500" lnSpcReduction="20000"/>
+          </a:bodyPr>
+          <a:lstStyle/>
+          <a:p>
+            <a:r>
+              <a:rPr lang="en-GB" dirty="0"/>
+              <a:t>Log in to a node so you can work at the command line. </a:t>
+            </a:r>
+          </a:p>
+          <a:p>
+            <a:r>
+              <a:rPr lang="en-GB" dirty="0"/>
+              <a:t>This is the official way:</a:t>
+            </a:r>
+          </a:p>
+          <a:p>
+            <a:pPr marL="0" indent="0">
+              <a:buNone/>
+            </a:pPr>
+            <a:r>
+              <a:rPr lang="en-GB" dirty="0">
+                <a:solidFill>
+                  <a:srgbClr val="0070C0"/>
+                </a:solidFill>
+              </a:rPr>
+              <a:t>        </a:t>
+            </a:r>
+            <a:r>
+              <a:rPr lang="en-GB" dirty="0" err="1">
+                <a:solidFill>
+                  <a:srgbClr val="0070C0"/>
+                </a:solidFill>
+              </a:rPr>
+              <a:t>qrsh</a:t>
+            </a:r>
+            <a:r>
+              <a:rPr lang="en-GB" dirty="0">
+                <a:solidFill>
+                  <a:srgbClr val="0070C0"/>
+                </a:solidFill>
+              </a:rPr>
+              <a:t> </a:t>
+            </a:r>
+          </a:p>
+          <a:p>
+            <a:pPr marL="0" indent="0">
+              <a:buNone/>
+            </a:pPr>
+            <a:r>
+              <a:rPr lang="en-GB" dirty="0"/>
+              <a:t>To get to a specific node:</a:t>
+            </a:r>
+          </a:p>
+          <a:p>
+            <a:pPr marL="0" indent="0">
+              <a:buNone/>
+            </a:pPr>
+            <a:r>
+              <a:rPr lang="en-GB" dirty="0">
+                <a:solidFill>
+                  <a:srgbClr val="0070C0"/>
+                </a:solidFill>
+              </a:rPr>
+              <a:t>        </a:t>
+            </a:r>
+            <a:r>
+              <a:rPr lang="en-GB" dirty="0" err="1">
+                <a:solidFill>
+                  <a:srgbClr val="0070C0"/>
+                </a:solidFill>
+              </a:rPr>
+              <a:t>qrsh</a:t>
+            </a:r>
+            <a:r>
+              <a:rPr lang="en-GB" dirty="0">
+                <a:solidFill>
+                  <a:srgbClr val="0070C0"/>
+                </a:solidFill>
+              </a:rPr>
+              <a:t> -l hostname=“node3”</a:t>
+            </a:r>
+          </a:p>
+          <a:p>
+            <a:pPr marL="0" indent="0">
+              <a:buNone/>
+            </a:pPr>
+            <a:r>
+              <a:rPr lang="en-GB" dirty="0"/>
+              <a:t>Multi core </a:t>
+            </a:r>
+            <a:r>
+              <a:rPr lang="en-GB" dirty="0" err="1"/>
+              <a:t>qrsh</a:t>
+            </a:r>
+            <a:r>
+              <a:rPr lang="en-GB" dirty="0"/>
+              <a:t> job</a:t>
+            </a:r>
+          </a:p>
+          <a:p>
+            <a:pPr marL="0" indent="0">
+              <a:buNone/>
+            </a:pPr>
+            <a:r>
+              <a:rPr lang="en-GB" dirty="0">
+                <a:solidFill>
+                  <a:srgbClr val="0070C0"/>
+                </a:solidFill>
+              </a:rPr>
+              <a:t>        </a:t>
+            </a:r>
+            <a:r>
+              <a:rPr lang="en-GB" dirty="0" err="1">
+                <a:solidFill>
+                  <a:srgbClr val="0070C0"/>
+                </a:solidFill>
+              </a:rPr>
+              <a:t>qrsh</a:t>
+            </a:r>
+            <a:r>
+              <a:rPr lang="en-GB" dirty="0">
+                <a:solidFill>
+                  <a:srgbClr val="0070C0"/>
+                </a:solidFill>
+              </a:rPr>
+              <a:t> -</a:t>
+            </a:r>
+            <a:r>
+              <a:rPr lang="en-GB" dirty="0" err="1">
+                <a:solidFill>
+                  <a:srgbClr val="0070C0"/>
+                </a:solidFill>
+              </a:rPr>
+              <a:t>pe</a:t>
+            </a:r>
+            <a:r>
+              <a:rPr lang="en-GB" dirty="0">
+                <a:solidFill>
+                  <a:srgbClr val="0070C0"/>
+                </a:solidFill>
+              </a:rPr>
+              <a:t> multi 4</a:t>
+            </a:r>
+          </a:p>
+          <a:p>
+            <a:pPr marL="0" indent="0">
+              <a:buNone/>
+            </a:pPr>
+            <a:r>
+              <a:rPr lang="en-GB" dirty="0">
+                <a:solidFill>
+                  <a:srgbClr val="0070C0"/>
+                </a:solidFill>
+              </a:rPr>
+              <a:t>        logout   </a:t>
+            </a:r>
+            <a:r>
+              <a:rPr lang="en-GB" dirty="0"/>
+              <a:t>or</a:t>
+            </a:r>
+            <a:r>
+              <a:rPr lang="en-GB" dirty="0">
+                <a:solidFill>
+                  <a:srgbClr val="0070C0"/>
+                </a:solidFill>
+              </a:rPr>
+              <a:t>    </a:t>
+            </a:r>
+            <a:r>
+              <a:rPr lang="en-GB" dirty="0" err="1">
+                <a:solidFill>
+                  <a:srgbClr val="0070C0"/>
+                </a:solidFill>
+              </a:rPr>
+              <a:t>Ctrl+d</a:t>
+            </a:r>
+            <a:r>
+              <a:rPr lang="en-GB" dirty="0">
+                <a:solidFill>
+                  <a:srgbClr val="0070C0"/>
+                </a:solidFill>
+              </a:rPr>
+              <a:t>   </a:t>
+            </a:r>
+            <a:r>
+              <a:rPr lang="en-GB" dirty="0"/>
+              <a:t>(to log out)</a:t>
+            </a:r>
+          </a:p>
+          <a:p>
+            <a:pPr marL="0" indent="0">
+              <a:buNone/>
+            </a:pPr>
+            <a:endParaRPr lang="en-GB" dirty="0"/>
+          </a:p>
+          <a:p>
+            <a:pPr marL="0" indent="0">
+              <a:buNone/>
+            </a:pPr>
+            <a:r>
+              <a:rPr lang="en-GB" dirty="0"/>
+              <a:t>For really long jobs, you should use  </a:t>
+            </a:r>
+            <a:r>
+              <a:rPr lang="en-GB" dirty="0">
+                <a:solidFill>
+                  <a:srgbClr val="0070C0"/>
+                </a:solidFill>
+              </a:rPr>
+              <a:t>screen</a:t>
+            </a:r>
+          </a:p>
+          <a:p>
+            <a:pPr marL="0" indent="0">
+              <a:buNone/>
+            </a:pPr>
+            <a:endParaRPr lang="en-GB" dirty="0">
+              <a:solidFill>
+                <a:srgbClr val="0070C0"/>
+              </a:solidFill>
+            </a:endParaRPr>
+          </a:p>
+          <a:p>
+            <a:pPr marL="0" indent="0">
+              <a:buNone/>
+            </a:pPr>
+            <a:r>
+              <a:rPr lang="en-GB" sz="2200" dirty="0">
+                <a:solidFill>
+                  <a:srgbClr val="0070C0"/>
+                </a:solidFill>
+                <a:hlinkClick r:id="rId2"/>
+              </a:rPr>
+              <a:t>https://linuxize.com/post/how-to-use-linux-screen/</a:t>
+            </a:r>
+            <a:endParaRPr lang="en-GB" sz="2200" dirty="0">
+              <a:solidFill>
+                <a:srgbClr val="0070C0"/>
+              </a:solidFill>
+            </a:endParaRPr>
+          </a:p>
+          <a:p>
+            <a:pPr marL="0" indent="0">
+              <a:buNone/>
+            </a:pPr>
+            <a:r>
+              <a:rPr lang="en-GB" dirty="0"/>
+              <a:t>This is beyond a beginners course. </a:t>
+            </a:r>
+          </a:p>
+          <a:p>
+            <a:pPr marL="0" indent="0">
+              <a:buNone/>
+            </a:pPr>
+            <a:endParaRPr lang="en-GB" dirty="0">
+              <a:solidFill>
+                <a:srgbClr val="0070C0"/>
+              </a:solidFill>
+            </a:endParaRPr>
+          </a:p>
+          <a:p>
+            <a:pPr marL="0" indent="0">
+              <a:buNone/>
+            </a:pPr>
+            <a:endParaRPr lang="en-GB" dirty="0">
+              <a:solidFill>
+                <a:srgbClr val="0070C0"/>
+              </a:solidFill>
+            </a:endParaRPr>
+          </a:p>
+          <a:p>
+            <a:pPr marL="0" indent="0">
+              <a:buNone/>
+            </a:pPr>
+            <a:endParaRPr lang="en-GB" dirty="0">
+              <a:solidFill>
+                <a:srgbClr val="0070C0"/>
+              </a:solidFill>
+            </a:endParaRPr>
+          </a:p>
+        </p:txBody>
+      </p:sp>
+      <p:sp>
+        <p:nvSpPr>
+          <p:cNvPr id="4" name="TextBox 3">
+            <a:extLst>
+              <a:ext uri="{FF2B5EF4-FFF2-40B4-BE49-F238E27FC236}">
+                <a16:creationId xmlns:a16="http://schemas.microsoft.com/office/drawing/2014/main" id="{41992268-DD8C-410A-A310-795BB07158A3}"/>
+              </a:ext>
+            </a:extLst>
+          </p:cNvPr>
+          <p:cNvSpPr txBox="1"/>
+          <p:nvPr/>
+        </p:nvSpPr>
+        <p:spPr>
+          <a:xfrm>
+            <a:off x="10350500" y="0"/>
+            <a:ext cx="1841500" cy="584775"/>
+          </a:xfrm>
+          <a:prstGeom prst="rect">
+            <a:avLst/>
+          </a:prstGeom>
+          <a:noFill/>
+        </p:spPr>
+        <p:txBody>
+          <a:bodyPr wrap="square" rtlCol="0">
+            <a:spAutoFit/>
+          </a:bodyPr>
+          <a:lstStyle/>
+          <a:p>
+            <a:r>
+              <a:rPr lang="en-GB" sz="3200" dirty="0">
+                <a:solidFill>
+                  <a:srgbClr val="FF0000"/>
+                </a:solidFill>
+                <a:highlight>
+                  <a:srgbClr val="FFFF00"/>
+                </a:highlight>
+              </a:rPr>
+              <a:t>ACTIVITY</a:t>
+            </a:r>
+            <a:endParaRPr lang="en-GB" sz="2800" dirty="0">
+              <a:solidFill>
+                <a:srgbClr val="FF0000"/>
+              </a:solidFill>
+              <a:highlight>
+                <a:srgbClr val="FFFF00"/>
+              </a:highlight>
+            </a:endParaRPr>
+          </a:p>
+        </p:txBody>
+      </p:sp>
+    </p:spTree>
+    <p:extLst>
+      <p:ext uri="{BB962C8B-B14F-4D97-AF65-F5344CB8AC3E}">
+        <p14:creationId xmlns:p14="http://schemas.microsoft.com/office/powerpoint/2010/main" val="167292655"/>
+      </p:ext>
+    </p:extLst>
+  </p:cSld>
+  <p:clrMapOvr>
+    <a:masterClrMapping/>
+  </p:clrMapOvr>
+</p:sld>
+</file>
+
+<file path=ppt/slides/slide11.xml><?xml version="1.0" encoding="utf-8"?>
+<p:sld xmlns:a="http://schemas.openxmlformats.org/drawingml/2006/main" xmlns:r="http://schemas.openxmlformats.org/officeDocument/2006/relationships" xmlns:p="http://schemas.openxmlformats.org/presentationml/2006/main">
+  <p:cSld>
+    <p:spTree>
+      <p:nvGrpSpPr>
+        <p:cNvPr id="1" name=""/>
+        <p:cNvGrpSpPr/>
+        <p:nvPr/>
+      </p:nvGrpSpPr>
+      <p:grpSpPr>
+        <a:xfrm>
+          <a:off x="0" y="0"/>
+          <a:ext cx="0" cy="0"/>
+          <a:chOff x="0" y="0"/>
+          <a:chExt cx="0" cy="0"/>
+        </a:xfrm>
+      </p:grpSpPr>
+      <p:sp>
+        <p:nvSpPr>
+          <p:cNvPr id="2" name="Title 1">
+            <a:extLst>
+              <a:ext uri="{FF2B5EF4-FFF2-40B4-BE49-F238E27FC236}">
                 <a16:creationId xmlns:a16="http://schemas.microsoft.com/office/drawing/2014/main" id="{16568DA0-28C4-4187-B36A-D8981EFAB78D}"/>
               </a:ext>
             </a:extLst>
@@ -5651,6 +6129,608 @@
           <p:cNvPr id="2" name="Title 1">
             <a:extLst>
               <a:ext uri="{FF2B5EF4-FFF2-40B4-BE49-F238E27FC236}">
+                <a16:creationId xmlns:a16="http://schemas.microsoft.com/office/drawing/2014/main" id="{FAA71D5B-44BD-47DA-9D27-F3D69FB1904C}"/>
+              </a:ext>
+            </a:extLst>
+          </p:cNvPr>
+          <p:cNvSpPr>
+            <a:spLocks noGrp="1"/>
+          </p:cNvSpPr>
+          <p:nvPr>
+            <p:ph type="title"/>
+          </p:nvPr>
+        </p:nvSpPr>
+        <p:spPr>
+          <a:xfrm>
+            <a:off x="492968" y="-306679"/>
+            <a:ext cx="10515600" cy="1325563"/>
+          </a:xfrm>
+        </p:spPr>
+        <p:txBody>
+          <a:bodyPr/>
+          <a:lstStyle/>
+          <a:p>
+            <a:r>
+              <a:rPr lang="en-GB" dirty="0"/>
+              <a:t>Cluster will email when jobs are done</a:t>
+            </a:r>
+          </a:p>
+        </p:txBody>
+      </p:sp>
+      <p:sp>
+        <p:nvSpPr>
+          <p:cNvPr id="4" name="Rectangle 3">
+            <a:extLst>
+              <a:ext uri="{FF2B5EF4-FFF2-40B4-BE49-F238E27FC236}">
+                <a16:creationId xmlns:a16="http://schemas.microsoft.com/office/drawing/2014/main" id="{A29D5124-2D37-4C2D-89B5-C8316479DD87}"/>
+              </a:ext>
+            </a:extLst>
+          </p:cNvPr>
+          <p:cNvSpPr/>
+          <p:nvPr/>
+        </p:nvSpPr>
+        <p:spPr>
+          <a:xfrm>
+            <a:off x="73091" y="702874"/>
+            <a:ext cx="12118909" cy="6124754"/>
+          </a:xfrm>
+          <a:prstGeom prst="rect">
+            <a:avLst/>
+          </a:prstGeom>
+        </p:spPr>
+        <p:txBody>
+          <a:bodyPr wrap="square">
+            <a:spAutoFit/>
+          </a:bodyPr>
+          <a:lstStyle/>
+          <a:p>
+            <a:pPr>
+              <a:spcAft>
+                <a:spcPts val="0"/>
+              </a:spcAft>
+            </a:pPr>
+            <a:r>
+              <a:rPr lang="en-GB" sz="1600" dirty="0">
+                <a:latin typeface="Calibri" panose="020F0502020204030204" pitchFamily="34" charset="0"/>
+                <a:ea typeface="Calibri" panose="020F0502020204030204" pitchFamily="34" charset="0"/>
+              </a:rPr>
+              <a:t>Emailing you when jobs are started/ error/ finished see below for further info.  You have 3 options to make it email you:</a:t>
+            </a:r>
+          </a:p>
+          <a:p>
+            <a:pPr>
+              <a:spcAft>
+                <a:spcPts val="0"/>
+              </a:spcAft>
+            </a:pPr>
+            <a:endParaRPr lang="en-GB" sz="1600" dirty="0">
+              <a:latin typeface="Calibri" panose="020F0502020204030204" pitchFamily="34" charset="0"/>
+              <a:ea typeface="Calibri" panose="020F0502020204030204" pitchFamily="34" charset="0"/>
+            </a:endParaRPr>
+          </a:p>
+          <a:p>
+            <a:pPr marL="342900" lvl="0" indent="-342900">
+              <a:spcAft>
+                <a:spcPts val="0"/>
+              </a:spcAft>
+              <a:buFont typeface="+mj-lt"/>
+              <a:buAutoNum type="arabicPeriod"/>
+              <a:tabLst>
+                <a:tab pos="457200" algn="l"/>
+              </a:tabLst>
+            </a:pPr>
+            <a:r>
+              <a:rPr lang="en-GB" sz="1600" dirty="0">
+                <a:latin typeface="Calibri" panose="020F0502020204030204" pitchFamily="34" charset="0"/>
+                <a:ea typeface="Calibri" panose="020F0502020204030204" pitchFamily="34" charset="0"/>
+              </a:rPr>
+              <a:t>Add the commands to your shell script at the top:</a:t>
+            </a:r>
+          </a:p>
+          <a:p>
+            <a:pPr marL="457200">
+              <a:spcAft>
+                <a:spcPts val="0"/>
+              </a:spcAft>
+            </a:pPr>
+            <a:r>
+              <a:rPr lang="en-GB" sz="1600" dirty="0">
+                <a:latin typeface="Calibri" panose="020F0502020204030204" pitchFamily="34" charset="0"/>
+                <a:ea typeface="Calibri" panose="020F0502020204030204" pitchFamily="34" charset="0"/>
+              </a:rPr>
+              <a:t>#$ -m e</a:t>
+            </a:r>
+          </a:p>
+          <a:p>
+            <a:pPr marL="457200">
+              <a:spcAft>
+                <a:spcPts val="0"/>
+              </a:spcAft>
+            </a:pPr>
+            <a:r>
+              <a:rPr lang="en-GB" sz="1600" dirty="0">
+                <a:latin typeface="Calibri" panose="020F0502020204030204" pitchFamily="34" charset="0"/>
+                <a:ea typeface="Calibri" panose="020F0502020204030204" pitchFamily="34" charset="0"/>
+              </a:rPr>
+              <a:t>#$ -M </a:t>
+            </a:r>
+            <a:r>
+              <a:rPr lang="en-GB" sz="1600" u="sng" dirty="0">
+                <a:solidFill>
+                  <a:srgbClr val="0563C1"/>
+                </a:solidFill>
+                <a:latin typeface="Calibri" panose="020F0502020204030204" pitchFamily="34" charset="0"/>
+                <a:ea typeface="Calibri" panose="020F0502020204030204" pitchFamily="34" charset="0"/>
+                <a:hlinkClick r:id="rId2"/>
+              </a:rPr>
+              <a:t>youmail@st-andrews.ac.uk</a:t>
+            </a:r>
+            <a:endParaRPr lang="en-GB" sz="1600" dirty="0">
+              <a:latin typeface="Calibri" panose="020F0502020204030204" pitchFamily="34" charset="0"/>
+              <a:ea typeface="Calibri" panose="020F0502020204030204" pitchFamily="34" charset="0"/>
+            </a:endParaRPr>
+          </a:p>
+          <a:p>
+            <a:pPr>
+              <a:spcAft>
+                <a:spcPts val="0"/>
+              </a:spcAft>
+            </a:pPr>
+            <a:r>
+              <a:rPr lang="en-GB" sz="1600" dirty="0">
+                <a:latin typeface="Calibri" panose="020F0502020204030204" pitchFamily="34" charset="0"/>
+                <a:ea typeface="Calibri" panose="020F0502020204030204" pitchFamily="34" charset="0"/>
+              </a:rPr>
+              <a:t> </a:t>
+            </a:r>
+          </a:p>
+          <a:p>
+            <a:pPr marL="342900" lvl="0" indent="-342900">
+              <a:spcAft>
+                <a:spcPts val="0"/>
+              </a:spcAft>
+              <a:buFont typeface="+mj-lt"/>
+              <a:buAutoNum type="arabicPeriod" startAt="2"/>
+              <a:tabLst>
+                <a:tab pos="457200" algn="l"/>
+              </a:tabLst>
+            </a:pPr>
+            <a:r>
+              <a:rPr lang="en-GB" sz="1600" dirty="0" err="1">
+                <a:latin typeface="Calibri" panose="020F0502020204030204" pitchFamily="34" charset="0"/>
+                <a:ea typeface="Calibri" panose="020F0502020204030204" pitchFamily="34" charset="0"/>
+              </a:rPr>
+              <a:t>nano</a:t>
+            </a:r>
+            <a:r>
+              <a:rPr lang="en-GB" sz="1600" dirty="0">
+                <a:latin typeface="Calibri" panose="020F0502020204030204" pitchFamily="34" charset="0"/>
+                <a:ea typeface="Calibri" panose="020F0502020204030204" pitchFamily="34" charset="0"/>
+              </a:rPr>
+              <a:t> .</a:t>
+            </a:r>
+            <a:r>
+              <a:rPr lang="en-GB" sz="1600" dirty="0" err="1">
+                <a:latin typeface="Calibri" panose="020F0502020204030204" pitchFamily="34" charset="0"/>
+                <a:ea typeface="Calibri" panose="020F0502020204030204" pitchFamily="34" charset="0"/>
+              </a:rPr>
+              <a:t>bash_profile</a:t>
+            </a:r>
+            <a:r>
+              <a:rPr lang="en-GB" sz="1600" dirty="0">
+                <a:latin typeface="Calibri" panose="020F0502020204030204" pitchFamily="34" charset="0"/>
+                <a:ea typeface="Calibri" panose="020F0502020204030204" pitchFamily="34" charset="0"/>
+              </a:rPr>
+              <a:t>      ( add these two lines to it so you never have to do it again. A bit dangerous if you have lots of jobs!!)</a:t>
+            </a:r>
+          </a:p>
+          <a:p>
+            <a:pPr indent="228600">
+              <a:spcAft>
+                <a:spcPts val="0"/>
+              </a:spcAft>
+            </a:pPr>
+            <a:r>
+              <a:rPr lang="en-GB" sz="1600" dirty="0">
+                <a:latin typeface="Calibri" panose="020F0502020204030204" pitchFamily="34" charset="0"/>
+                <a:ea typeface="Calibri" panose="020F0502020204030204" pitchFamily="34" charset="0"/>
+              </a:rPr>
+              <a:t># alias so I get emails when job are done.</a:t>
+            </a:r>
+          </a:p>
+          <a:p>
+            <a:pPr indent="228600">
+              <a:spcAft>
+                <a:spcPts val="0"/>
+              </a:spcAft>
+            </a:pPr>
+            <a:r>
+              <a:rPr lang="en-GB" sz="1600" dirty="0">
+                <a:latin typeface="Calibri" panose="020F0502020204030204" pitchFamily="34" charset="0"/>
+                <a:ea typeface="Calibri" panose="020F0502020204030204" pitchFamily="34" charset="0"/>
+              </a:rPr>
+              <a:t>alias </a:t>
+            </a:r>
+            <a:r>
+              <a:rPr lang="en-GB" sz="1600" dirty="0" err="1">
+                <a:latin typeface="Calibri" panose="020F0502020204030204" pitchFamily="34" charset="0"/>
+                <a:ea typeface="Calibri" panose="020F0502020204030204" pitchFamily="34" charset="0"/>
+              </a:rPr>
+              <a:t>qsub</a:t>
+            </a:r>
+            <a:r>
+              <a:rPr lang="en-GB" sz="1600" dirty="0">
+                <a:latin typeface="Calibri" panose="020F0502020204030204" pitchFamily="34" charset="0"/>
+                <a:ea typeface="Calibri" panose="020F0502020204030204" pitchFamily="34" charset="0"/>
+              </a:rPr>
+              <a:t>='</a:t>
+            </a:r>
+            <a:r>
+              <a:rPr lang="en-GB" sz="1600" dirty="0" err="1">
+                <a:latin typeface="Calibri" panose="020F0502020204030204" pitchFamily="34" charset="0"/>
+                <a:ea typeface="Calibri" panose="020F0502020204030204" pitchFamily="34" charset="0"/>
+              </a:rPr>
+              <a:t>qsub</a:t>
+            </a:r>
+            <a:r>
+              <a:rPr lang="en-GB" sz="1600" dirty="0">
+                <a:latin typeface="Calibri" panose="020F0502020204030204" pitchFamily="34" charset="0"/>
+                <a:ea typeface="Calibri" panose="020F0502020204030204" pitchFamily="34" charset="0"/>
+              </a:rPr>
+              <a:t> -m e -M </a:t>
+            </a:r>
+            <a:r>
+              <a:rPr lang="en-GB" sz="1600" u="sng" dirty="0">
+                <a:solidFill>
+                  <a:srgbClr val="0563C1"/>
+                </a:solidFill>
+                <a:latin typeface="Calibri" panose="020F0502020204030204" pitchFamily="34" charset="0"/>
+                <a:ea typeface="Calibri" panose="020F0502020204030204" pitchFamily="34" charset="0"/>
+                <a:hlinkClick r:id="rId3"/>
+              </a:rPr>
+              <a:t>youremail@st-andrews.ac.uk</a:t>
+            </a:r>
+            <a:r>
+              <a:rPr lang="en-GB" sz="1600" dirty="0">
+                <a:latin typeface="Calibri" panose="020F0502020204030204" pitchFamily="34" charset="0"/>
+                <a:ea typeface="Calibri" panose="020F0502020204030204" pitchFamily="34" charset="0"/>
+              </a:rPr>
+              <a:t>'</a:t>
+            </a:r>
+          </a:p>
+          <a:p>
+            <a:pPr>
+              <a:spcAft>
+                <a:spcPts val="0"/>
+              </a:spcAft>
+            </a:pPr>
+            <a:r>
+              <a:rPr lang="en-GB" sz="1600" dirty="0">
+                <a:latin typeface="Calibri" panose="020F0502020204030204" pitchFamily="34" charset="0"/>
+                <a:ea typeface="Calibri" panose="020F0502020204030204" pitchFamily="34" charset="0"/>
+              </a:rPr>
+              <a:t> </a:t>
+            </a:r>
+          </a:p>
+          <a:p>
+            <a:pPr marL="342900" lvl="0" indent="-342900">
+              <a:spcAft>
+                <a:spcPts val="0"/>
+              </a:spcAft>
+              <a:buFont typeface="+mj-lt"/>
+              <a:buAutoNum type="arabicPeriod" startAt="3"/>
+              <a:tabLst>
+                <a:tab pos="457200" algn="l"/>
+              </a:tabLst>
+            </a:pPr>
+            <a:r>
+              <a:rPr lang="en-GB" sz="1600" dirty="0">
+                <a:latin typeface="Calibri" panose="020F0502020204030204" pitchFamily="34" charset="0"/>
+                <a:ea typeface="Calibri" panose="020F0502020204030204" pitchFamily="34" charset="0"/>
+              </a:rPr>
+              <a:t>add it to the command line when you </a:t>
+            </a:r>
+            <a:r>
+              <a:rPr lang="en-GB" sz="1600" dirty="0" err="1">
+                <a:latin typeface="Calibri" panose="020F0502020204030204" pitchFamily="34" charset="0"/>
+                <a:ea typeface="Calibri" panose="020F0502020204030204" pitchFamily="34" charset="0"/>
+              </a:rPr>
+              <a:t>qsub</a:t>
+            </a:r>
+            <a:r>
+              <a:rPr lang="en-GB" sz="1600" dirty="0">
+                <a:latin typeface="Calibri" panose="020F0502020204030204" pitchFamily="34" charset="0"/>
+                <a:ea typeface="Calibri" panose="020F0502020204030204" pitchFamily="34" charset="0"/>
+              </a:rPr>
+              <a:t> a job</a:t>
+            </a:r>
+          </a:p>
+          <a:p>
+            <a:pPr marL="457200">
+              <a:spcAft>
+                <a:spcPts val="0"/>
+              </a:spcAft>
+            </a:pPr>
+            <a:r>
+              <a:rPr lang="en-GB" sz="1600" dirty="0" err="1">
+                <a:latin typeface="Calibri" panose="020F0502020204030204" pitchFamily="34" charset="0"/>
+                <a:ea typeface="Calibri" panose="020F0502020204030204" pitchFamily="34" charset="0"/>
+              </a:rPr>
+              <a:t>qsub</a:t>
+            </a:r>
+            <a:r>
+              <a:rPr lang="en-GB" sz="1600" dirty="0">
+                <a:latin typeface="Calibri" panose="020F0502020204030204" pitchFamily="34" charset="0"/>
+                <a:ea typeface="Calibri" panose="020F0502020204030204" pitchFamily="34" charset="0"/>
+              </a:rPr>
+              <a:t> -V -m e -M </a:t>
+            </a:r>
+            <a:r>
+              <a:rPr lang="en-GB" sz="1600" u="sng" dirty="0">
+                <a:solidFill>
+                  <a:srgbClr val="0563C1"/>
+                </a:solidFill>
+                <a:latin typeface="Calibri" panose="020F0502020204030204" pitchFamily="34" charset="0"/>
+                <a:ea typeface="Calibri" panose="020F0502020204030204" pitchFamily="34" charset="0"/>
+                <a:hlinkClick r:id="rId4"/>
+              </a:rPr>
+              <a:t>whatever@st-andrews.ac.uk</a:t>
+            </a:r>
+            <a:r>
+              <a:rPr lang="en-GB" sz="1600" dirty="0">
+                <a:latin typeface="Calibri" panose="020F0502020204030204" pitchFamily="34" charset="0"/>
+                <a:ea typeface="Calibri" panose="020F0502020204030204" pitchFamily="34" charset="0"/>
+              </a:rPr>
+              <a:t>  shellscript.sh</a:t>
+            </a:r>
+          </a:p>
+          <a:p>
+            <a:pPr>
+              <a:spcAft>
+                <a:spcPts val="0"/>
+              </a:spcAft>
+            </a:pPr>
+            <a:r>
+              <a:rPr lang="en-GB" sz="1600" dirty="0">
+                <a:latin typeface="Calibri" panose="020F0502020204030204" pitchFamily="34" charset="0"/>
+                <a:ea typeface="Calibri" panose="020F0502020204030204" pitchFamily="34" charset="0"/>
+              </a:rPr>
+              <a:t> </a:t>
+            </a:r>
+          </a:p>
+          <a:p>
+            <a:pPr>
+              <a:spcAft>
+                <a:spcPts val="0"/>
+              </a:spcAft>
+            </a:pPr>
+            <a:r>
+              <a:rPr lang="en-GB" sz="1400" dirty="0">
+                <a:latin typeface="Calibri" panose="020F0502020204030204" pitchFamily="34" charset="0"/>
+                <a:ea typeface="Calibri" panose="020F0502020204030204" pitchFamily="34" charset="0"/>
+              </a:rPr>
+              <a:t>Email can be sent in the following situations:</a:t>
+            </a:r>
+          </a:p>
+          <a:p>
+            <a:pPr>
+              <a:spcAft>
+                <a:spcPts val="0"/>
+              </a:spcAft>
+            </a:pPr>
+            <a:r>
+              <a:rPr lang="en-GB" sz="1400" dirty="0">
+                <a:latin typeface="Calibri" panose="020F0502020204030204" pitchFamily="34" charset="0"/>
+                <a:ea typeface="Calibri" panose="020F0502020204030204" pitchFamily="34" charset="0"/>
+              </a:rPr>
+              <a:t>       -m </a:t>
+            </a:r>
+            <a:r>
+              <a:rPr lang="en-GB" sz="1400" dirty="0" err="1">
+                <a:latin typeface="Calibri" panose="020F0502020204030204" pitchFamily="34" charset="0"/>
+                <a:ea typeface="Calibri" panose="020F0502020204030204" pitchFamily="34" charset="0"/>
+              </a:rPr>
+              <a:t>b|e|a|s|n</a:t>
+            </a:r>
+            <a:r>
+              <a:rPr lang="en-GB" sz="1400" dirty="0">
+                <a:latin typeface="Calibri" panose="020F0502020204030204" pitchFamily="34" charset="0"/>
+                <a:ea typeface="Calibri" panose="020F0502020204030204" pitchFamily="34" charset="0"/>
+              </a:rPr>
+              <a:t>,...</a:t>
+            </a:r>
+          </a:p>
+          <a:p>
+            <a:pPr>
+              <a:spcAft>
+                <a:spcPts val="0"/>
+              </a:spcAft>
+            </a:pPr>
+            <a:r>
+              <a:rPr lang="en-GB" sz="1400" dirty="0">
+                <a:latin typeface="Calibri" panose="020F0502020204030204" pitchFamily="34" charset="0"/>
+                <a:ea typeface="Calibri" panose="020F0502020204030204" pitchFamily="34" charset="0"/>
+              </a:rPr>
+              <a:t>              Defines  or  redefines  under which circumstances mail is to be sent to the job owner or to the users defined</a:t>
+            </a:r>
+          </a:p>
+          <a:p>
+            <a:pPr>
+              <a:spcAft>
+                <a:spcPts val="0"/>
+              </a:spcAft>
+            </a:pPr>
+            <a:r>
+              <a:rPr lang="en-GB" sz="1400" dirty="0">
+                <a:latin typeface="Calibri" panose="020F0502020204030204" pitchFamily="34" charset="0"/>
+                <a:ea typeface="Calibri" panose="020F0502020204030204" pitchFamily="34" charset="0"/>
+              </a:rPr>
+              <a:t>              with the -M option described below. The option arguments have the following meaning:</a:t>
+            </a:r>
+          </a:p>
+          <a:p>
+            <a:pPr>
+              <a:spcAft>
+                <a:spcPts val="0"/>
+              </a:spcAft>
+            </a:pPr>
+            <a:r>
+              <a:rPr lang="en-GB" sz="1400" dirty="0">
+                <a:latin typeface="Calibri" panose="020F0502020204030204" pitchFamily="34" charset="0"/>
+                <a:ea typeface="Calibri" panose="020F0502020204030204" pitchFamily="34" charset="0"/>
+              </a:rPr>
+              <a:t> </a:t>
+            </a:r>
+          </a:p>
+          <a:p>
+            <a:pPr>
+              <a:spcAft>
+                <a:spcPts val="0"/>
+              </a:spcAft>
+            </a:pPr>
+            <a:r>
+              <a:rPr lang="en-GB" sz="1400" dirty="0">
+                <a:latin typeface="Calibri" panose="020F0502020204030204" pitchFamily="34" charset="0"/>
+                <a:ea typeface="Calibri" panose="020F0502020204030204" pitchFamily="34" charset="0"/>
+              </a:rPr>
+              <a:t>              ‘b’     Mail is sent at the beginning of the job.</a:t>
+            </a:r>
+          </a:p>
+          <a:p>
+            <a:pPr>
+              <a:spcAft>
+                <a:spcPts val="0"/>
+              </a:spcAft>
+            </a:pPr>
+            <a:r>
+              <a:rPr lang="en-GB" sz="1400" dirty="0">
+                <a:latin typeface="Calibri" panose="020F0502020204030204" pitchFamily="34" charset="0"/>
+                <a:ea typeface="Calibri" panose="020F0502020204030204" pitchFamily="34" charset="0"/>
+              </a:rPr>
+              <a:t>              ‘e’     Mail is sent at the end of the job.</a:t>
+            </a:r>
+          </a:p>
+          <a:p>
+            <a:pPr>
+              <a:spcAft>
+                <a:spcPts val="0"/>
+              </a:spcAft>
+            </a:pPr>
+            <a:r>
+              <a:rPr lang="en-GB" sz="1400" dirty="0">
+                <a:latin typeface="Calibri" panose="020F0502020204030204" pitchFamily="34" charset="0"/>
+                <a:ea typeface="Calibri" panose="020F0502020204030204" pitchFamily="34" charset="0"/>
+              </a:rPr>
+              <a:t>              ‘a’     Mail is sent when the job is aborted or</a:t>
+            </a:r>
+          </a:p>
+          <a:p>
+            <a:pPr>
+              <a:spcAft>
+                <a:spcPts val="0"/>
+              </a:spcAft>
+            </a:pPr>
+            <a:r>
+              <a:rPr lang="en-GB" sz="1400" dirty="0">
+                <a:latin typeface="Calibri" panose="020F0502020204030204" pitchFamily="34" charset="0"/>
+                <a:ea typeface="Calibri" panose="020F0502020204030204" pitchFamily="34" charset="0"/>
+              </a:rPr>
+              <a:t>                      rescheduled.</a:t>
+            </a:r>
+          </a:p>
+          <a:p>
+            <a:pPr>
+              <a:spcAft>
+                <a:spcPts val="0"/>
+              </a:spcAft>
+            </a:pPr>
+            <a:r>
+              <a:rPr lang="en-GB" sz="1400" dirty="0">
+                <a:latin typeface="Calibri" panose="020F0502020204030204" pitchFamily="34" charset="0"/>
+                <a:ea typeface="Calibri" panose="020F0502020204030204" pitchFamily="34" charset="0"/>
+              </a:rPr>
+              <a:t>              ‘s’     Mail is sent when the job is suspended.</a:t>
+            </a:r>
+          </a:p>
+          <a:p>
+            <a:pPr>
+              <a:spcAft>
+                <a:spcPts val="0"/>
+              </a:spcAft>
+            </a:pPr>
+            <a:r>
+              <a:rPr lang="en-GB" sz="1400" dirty="0">
+                <a:latin typeface="Calibri" panose="020F0502020204030204" pitchFamily="34" charset="0"/>
+                <a:ea typeface="Calibri" panose="020F0502020204030204" pitchFamily="34" charset="0"/>
+              </a:rPr>
+              <a:t>              ‘n’     No mail is sent.</a:t>
+            </a:r>
+          </a:p>
+          <a:p>
+            <a:pPr>
+              <a:spcAft>
+                <a:spcPts val="0"/>
+              </a:spcAft>
+            </a:pPr>
+            <a:r>
+              <a:rPr lang="en-GB" sz="1400" dirty="0">
+                <a:latin typeface="Calibri" panose="020F0502020204030204" pitchFamily="34" charset="0"/>
+                <a:ea typeface="Calibri" panose="020F0502020204030204" pitchFamily="34" charset="0"/>
+              </a:rPr>
+              <a:t>       -M user[@host],...</a:t>
+            </a:r>
+          </a:p>
+          <a:p>
+            <a:pPr>
+              <a:spcAft>
+                <a:spcPts val="0"/>
+              </a:spcAft>
+            </a:pPr>
+            <a:r>
+              <a:rPr lang="en-GB" sz="1600" dirty="0">
+                <a:latin typeface="Calibri" panose="020F0502020204030204" pitchFamily="34" charset="0"/>
+                <a:ea typeface="Calibri" panose="020F0502020204030204" pitchFamily="34" charset="0"/>
+              </a:rPr>
+              <a:t> </a:t>
+            </a:r>
+          </a:p>
+        </p:txBody>
+      </p:sp>
+    </p:spTree>
+    <p:extLst>
+      <p:ext uri="{BB962C8B-B14F-4D97-AF65-F5344CB8AC3E}">
+        <p14:creationId xmlns:p14="http://schemas.microsoft.com/office/powerpoint/2010/main" val="4046101473"/>
+      </p:ext>
+    </p:extLst>
+  </p:cSld>
+  <p:clrMapOvr>
+    <a:masterClrMapping/>
+  </p:clrMapOvr>
+</p:sld>
+</file>
+
+<file path=ppt/slides/slide7.xml><?xml version="1.0" encoding="utf-8"?>
+<p:sld xmlns:a="http://schemas.openxmlformats.org/drawingml/2006/main" xmlns:r="http://schemas.openxmlformats.org/officeDocument/2006/relationships" xmlns:p="http://schemas.openxmlformats.org/presentationml/2006/main">
+  <p:cSld>
+    <p:spTree>
+      <p:nvGrpSpPr>
+        <p:cNvPr id="1" name=""/>
+        <p:cNvGrpSpPr/>
+        <p:nvPr/>
+      </p:nvGrpSpPr>
+      <p:grpSpPr>
+        <a:xfrm>
+          <a:off x="0" y="0"/>
+          <a:ext cx="0" cy="0"/>
+          <a:chOff x="0" y="0"/>
+          <a:chExt cx="0" cy="0"/>
+        </a:xfrm>
+      </p:grpSpPr>
+      <p:sp>
+        <p:nvSpPr>
+          <p:cNvPr id="2" name="Title 1">
+            <a:extLst>
+              <a:ext uri="{FF2B5EF4-FFF2-40B4-BE49-F238E27FC236}">
                 <a16:creationId xmlns:a16="http://schemas.microsoft.com/office/drawing/2014/main" id="{F7845CA0-1B15-443D-A49C-8FA9E0B15D21}"/>
               </a:ext>
             </a:extLst>
@@ -6131,7 +7211,7 @@
 </p:sld>
 </file>
 
-<file path=ppt/slides/slide7.xml><?xml version="1.0" encoding="utf-8"?>
+<file path=ppt/slides/slide8.xml><?xml version="1.0" encoding="utf-8"?>
 <p:sld xmlns:a="http://schemas.openxmlformats.org/drawingml/2006/main" xmlns:r="http://schemas.openxmlformats.org/officeDocument/2006/relationships" xmlns:p="http://schemas.openxmlformats.org/presentationml/2006/main">
   <p:cSld>
     <p:spTree>
@@ -6407,204 +7487,6 @@
 </p:sld>
 </file>
 
-<file path=ppt/slides/slide8.xml><?xml version="1.0" encoding="utf-8"?>
-<p:sld xmlns:a="http://schemas.openxmlformats.org/drawingml/2006/main" xmlns:r="http://schemas.openxmlformats.org/officeDocument/2006/relationships" xmlns:p="http://schemas.openxmlformats.org/presentationml/2006/main">
-  <p:cSld>
-    <p:spTree>
-      <p:nvGrpSpPr>
-        <p:cNvPr id="1" name=""/>
-        <p:cNvGrpSpPr/>
-        <p:nvPr/>
-      </p:nvGrpSpPr>
-      <p:grpSpPr>
-        <a:xfrm>
-          <a:off x="0" y="0"/>
-          <a:ext cx="0" cy="0"/>
-          <a:chOff x="0" y="0"/>
-          <a:chExt cx="0" cy="0"/>
-        </a:xfrm>
-      </p:grpSpPr>
-      <p:sp>
-        <p:nvSpPr>
-          <p:cNvPr id="2" name="Title 1">
-            <a:extLst>
-              <a:ext uri="{FF2B5EF4-FFF2-40B4-BE49-F238E27FC236}">
-                <a16:creationId xmlns:a16="http://schemas.microsoft.com/office/drawing/2014/main" id="{D15D7644-D1F4-4489-90E1-0AB82985E627}"/>
-              </a:ext>
-            </a:extLst>
-          </p:cNvPr>
-          <p:cNvSpPr>
-            <a:spLocks noGrp="1"/>
-          </p:cNvSpPr>
-          <p:nvPr>
-            <p:ph type="title"/>
-          </p:nvPr>
-        </p:nvSpPr>
-        <p:spPr/>
-        <p:txBody>
-          <a:bodyPr/>
-          <a:lstStyle/>
-          <a:p>
-            <a:r>
-              <a:rPr lang="en-GB" dirty="0">
-                <a:solidFill>
-                  <a:srgbClr val="7030A0"/>
-                </a:solidFill>
-              </a:rPr>
-              <a:t>5) </a:t>
-            </a:r>
-            <a:r>
-              <a:rPr lang="en-GB" dirty="0" err="1">
-                <a:solidFill>
-                  <a:srgbClr val="7030A0"/>
-                </a:solidFill>
-              </a:rPr>
-              <a:t>qsub</a:t>
-            </a:r>
-            <a:r>
-              <a:rPr lang="en-GB" dirty="0">
-                <a:solidFill>
-                  <a:srgbClr val="7030A0"/>
-                </a:solidFill>
-              </a:rPr>
-              <a:t>: </a:t>
-            </a:r>
-            <a:r>
-              <a:rPr lang="en-GB" dirty="0" err="1">
-                <a:solidFill>
-                  <a:srgbClr val="7030A0"/>
-                </a:solidFill>
-              </a:rPr>
-              <a:t>qsub</a:t>
-            </a:r>
-            <a:r>
-              <a:rPr lang="en-GB" dirty="0">
-                <a:solidFill>
-                  <a:srgbClr val="7030A0"/>
-                </a:solidFill>
-              </a:rPr>
-              <a:t> output files .o and .e files</a:t>
-            </a:r>
-          </a:p>
-        </p:txBody>
-      </p:sp>
-      <p:sp>
-        <p:nvSpPr>
-          <p:cNvPr id="3" name="Content Placeholder 2">
-            <a:extLst>
-              <a:ext uri="{FF2B5EF4-FFF2-40B4-BE49-F238E27FC236}">
-                <a16:creationId xmlns:a16="http://schemas.microsoft.com/office/drawing/2014/main" id="{30FC31A4-5CFC-40C3-8650-DF53E562F052}"/>
-              </a:ext>
-            </a:extLst>
-          </p:cNvPr>
-          <p:cNvSpPr>
-            <a:spLocks noGrp="1"/>
-          </p:cNvSpPr>
-          <p:nvPr>
-            <p:ph idx="1"/>
-          </p:nvPr>
-        </p:nvSpPr>
-        <p:spPr>
-          <a:xfrm>
-            <a:off x="556953" y="1825625"/>
-            <a:ext cx="11130742" cy="4351338"/>
-          </a:xfrm>
-        </p:spPr>
-        <p:txBody>
-          <a:bodyPr/>
-          <a:lstStyle/>
-          <a:p>
-            <a:r>
-              <a:rPr lang="en-GB" dirty="0"/>
-              <a:t>Each time you run a job you get 2 output file.</a:t>
-            </a:r>
-          </a:p>
-          <a:p>
-            <a:r>
-              <a:rPr lang="en-GB" dirty="0"/>
-              <a:t> </a:t>
-            </a:r>
-            <a:r>
-              <a:rPr lang="en-GB" dirty="0">
-                <a:solidFill>
-                  <a:srgbClr val="FF0000"/>
-                </a:solidFill>
-              </a:rPr>
-              <a:t>.o</a:t>
-            </a:r>
-            <a:r>
-              <a:rPr lang="en-GB" dirty="0"/>
-              <a:t> files have normal </a:t>
-            </a:r>
-            <a:r>
-              <a:rPr lang="en-GB" dirty="0">
-                <a:solidFill>
-                  <a:srgbClr val="FF0000"/>
-                </a:solidFill>
-              </a:rPr>
-              <a:t>output</a:t>
-            </a:r>
-            <a:r>
-              <a:rPr lang="en-GB" dirty="0"/>
-              <a:t> from whatever tool is being used. </a:t>
-            </a:r>
-          </a:p>
-          <a:p>
-            <a:r>
-              <a:rPr lang="en-GB" dirty="0"/>
-              <a:t> </a:t>
-            </a:r>
-            <a:r>
-              <a:rPr lang="en-GB" dirty="0">
-                <a:solidFill>
-                  <a:srgbClr val="FF0000"/>
-                </a:solidFill>
-              </a:rPr>
-              <a:t>.e </a:t>
-            </a:r>
-            <a:r>
-              <a:rPr lang="en-GB" dirty="0"/>
-              <a:t>are errors or </a:t>
-            </a:r>
-            <a:r>
-              <a:rPr lang="en-GB" dirty="0">
-                <a:solidFill>
-                  <a:srgbClr val="FF0000"/>
-                </a:solidFill>
-              </a:rPr>
-              <a:t>warnings</a:t>
-            </a:r>
-            <a:r>
-              <a:rPr lang="en-GB" dirty="0"/>
-              <a:t>. This is useful to track errors and find out why your tool is not working. </a:t>
-            </a:r>
-          </a:p>
-          <a:p>
-            <a:r>
-              <a:rPr lang="en-GB" dirty="0"/>
-              <a:t>TRUST me this will </a:t>
-            </a:r>
-            <a:r>
-              <a:rPr lang="en-GB"/>
-              <a:t>be useful</a:t>
-            </a:r>
-            <a:endParaRPr lang="en-GB" dirty="0"/>
-          </a:p>
-        </p:txBody>
-      </p:sp>
-    </p:spTree>
-    <p:extLst>
-      <p:ext uri="{BB962C8B-B14F-4D97-AF65-F5344CB8AC3E}">
-        <p14:creationId xmlns:p14="http://schemas.microsoft.com/office/powerpoint/2010/main" val="88670009"/>
-      </p:ext>
-    </p:extLst>
-  </p:cSld>
-  <p:clrMapOvr>
-    <a:masterClrMapping/>
-  </p:clrMapOvr>
-</p:sld>
-</file>
-
 <file path=ppt/slides/slide9.xml><?xml version="1.0" encoding="utf-8"?>
 <p:sld xmlns:a="http://schemas.openxmlformats.org/drawingml/2006/main" xmlns:r="http://schemas.openxmlformats.org/officeDocument/2006/relationships" xmlns:p="http://schemas.openxmlformats.org/presentationml/2006/main">
   <p:cSld>
@@ -6627,7 +7509,7 @@
           <p:cNvPr id="2" name="Title 1">
             <a:extLst>
               <a:ext uri="{FF2B5EF4-FFF2-40B4-BE49-F238E27FC236}">
-                <a16:creationId xmlns:a16="http://schemas.microsoft.com/office/drawing/2014/main" id="{4E060FB7-106E-4BA6-9906-CCA751DDABD3}"/>
+                <a16:creationId xmlns:a16="http://schemas.microsoft.com/office/drawing/2014/main" id="{D15D7644-D1F4-4489-90E1-0AB82985E627}"/>
               </a:ext>
             </a:extLst>
           </p:cNvPr>
@@ -6636,443 +7518,164 @@
           </p:cNvSpPr>
           <p:nvPr>
             <p:ph type="title"/>
+          </p:nvPr>
+        </p:nvSpPr>
+        <p:spPr/>
+        <p:txBody>
+          <a:bodyPr/>
+          <a:lstStyle/>
+          <a:p>
+            <a:r>
+              <a:rPr lang="en-GB" dirty="0">
+                <a:solidFill>
+                  <a:srgbClr val="7030A0"/>
+                </a:solidFill>
+              </a:rPr>
+              <a:t>5) </a:t>
+            </a:r>
+            <a:r>
+              <a:rPr lang="en-GB" dirty="0" err="1">
+                <a:solidFill>
+                  <a:srgbClr val="7030A0"/>
+                </a:solidFill>
+              </a:rPr>
+              <a:t>qsub</a:t>
+            </a:r>
+            <a:r>
+              <a:rPr lang="en-GB" dirty="0">
+                <a:solidFill>
+                  <a:srgbClr val="7030A0"/>
+                </a:solidFill>
+              </a:rPr>
+              <a:t>: </a:t>
+            </a:r>
+            <a:r>
+              <a:rPr lang="en-GB" dirty="0" err="1">
+                <a:solidFill>
+                  <a:srgbClr val="7030A0"/>
+                </a:solidFill>
+              </a:rPr>
+              <a:t>qsub</a:t>
+            </a:r>
+            <a:r>
+              <a:rPr lang="en-GB" dirty="0">
+                <a:solidFill>
+                  <a:srgbClr val="7030A0"/>
+                </a:solidFill>
+              </a:rPr>
+              <a:t> output files .o and .e files</a:t>
+            </a:r>
+          </a:p>
+        </p:txBody>
+      </p:sp>
+      <p:sp>
+        <p:nvSpPr>
+          <p:cNvPr id="3" name="Content Placeholder 2">
+            <a:extLst>
+              <a:ext uri="{FF2B5EF4-FFF2-40B4-BE49-F238E27FC236}">
+                <a16:creationId xmlns:a16="http://schemas.microsoft.com/office/drawing/2014/main" id="{30FC31A4-5CFC-40C3-8650-DF53E562F052}"/>
+              </a:ext>
+            </a:extLst>
+          </p:cNvPr>
+          <p:cNvSpPr>
+            <a:spLocks noGrp="1"/>
+          </p:cNvSpPr>
+          <p:nvPr>
+            <p:ph idx="1"/>
           </p:nvPr>
         </p:nvSpPr>
         <p:spPr>
           <a:xfrm>
-            <a:off x="755650" y="-239662"/>
-            <a:ext cx="10515600" cy="1325563"/>
+            <a:off x="556953" y="1825625"/>
+            <a:ext cx="11130742" cy="4351338"/>
           </a:xfrm>
         </p:spPr>
         <p:txBody>
           <a:bodyPr/>
           <a:lstStyle/>
           <a:p>
-            <a:pPr algn="ctr"/>
+            <a:r>
+              <a:rPr lang="en-GB" dirty="0"/>
+              <a:t>Each time you run a job you get 2 output file.</a:t>
+            </a:r>
+          </a:p>
+          <a:p>
+            <a:r>
+              <a:rPr lang="en-GB" dirty="0"/>
+              <a:t> </a:t>
+            </a:r>
             <a:r>
               <a:rPr lang="en-GB" dirty="0">
                 <a:solidFill>
-                  <a:srgbClr val="7030A0"/>
-                </a:solidFill>
-              </a:rPr>
-              <a:t>5) </a:t>
-            </a:r>
-            <a:r>
-              <a:rPr lang="en-GB" dirty="0" err="1">
-                <a:solidFill>
-                  <a:srgbClr val="7030A0"/>
-                </a:solidFill>
-              </a:rPr>
-              <a:t>qsub</a:t>
+                  <a:srgbClr val="FF0000"/>
+                </a:solidFill>
+              </a:rPr>
+              <a:t>.o</a:t>
+            </a:r>
+            <a:r>
+              <a:rPr lang="en-GB" dirty="0"/>
+              <a:t> files have normal </a:t>
             </a:r>
             <a:r>
               <a:rPr lang="en-GB" dirty="0">
                 <a:solidFill>
-                  <a:srgbClr val="7030A0"/>
-                </a:solidFill>
-              </a:rPr>
-              <a:t>: </a:t>
-            </a:r>
-            <a:r>
-              <a:rPr lang="en-GB" dirty="0" err="1">
-                <a:solidFill>
-                  <a:srgbClr val="0070C0"/>
-                </a:solidFill>
-              </a:rPr>
-              <a:t>qrsh</a:t>
+                  <a:srgbClr val="FF0000"/>
+                </a:solidFill>
+              </a:rPr>
+              <a:t>output</a:t>
+            </a:r>
+            <a:r>
+              <a:rPr lang="en-GB" dirty="0"/>
+              <a:t> from whatever tool is being used. </a:t>
+            </a:r>
+          </a:p>
+          <a:p>
+            <a:r>
+              <a:rPr lang="en-GB" dirty="0"/>
+              <a:t> </a:t>
             </a:r>
             <a:r>
               <a:rPr lang="en-GB" dirty="0">
                 <a:solidFill>
-                  <a:srgbClr val="0070C0"/>
-                </a:solidFill>
-              </a:rPr>
-              <a:t> </a:t>
+                  <a:srgbClr val="FF0000"/>
+                </a:solidFill>
+              </a:rPr>
+              <a:t>.e </a:t>
+            </a:r>
+            <a:r>
+              <a:rPr lang="en-GB" dirty="0"/>
+              <a:t>are errors or </a:t>
             </a:r>
             <a:r>
               <a:rPr lang="en-GB" dirty="0">
                 <a:solidFill>
-                  <a:srgbClr val="7030A0"/>
-                </a:solidFill>
-              </a:rPr>
-              <a:t>- interactive </a:t>
-            </a:r>
-            <a:r>
-              <a:rPr lang="en-GB" dirty="0" err="1">
-                <a:solidFill>
-                  <a:srgbClr val="7030A0"/>
-                </a:solidFill>
-              </a:rPr>
-              <a:t>qsub</a:t>
-            </a:r>
-            <a:endParaRPr lang="en-GB" dirty="0">
-              <a:solidFill>
-                <a:srgbClr val="7030A0"/>
-              </a:solidFill>
-            </a:endParaRPr>
-          </a:p>
-        </p:txBody>
-      </p:sp>
-      <p:sp>
-        <p:nvSpPr>
-          <p:cNvPr id="3" name="Content Placeholder 2">
-            <a:extLst>
-              <a:ext uri="{FF2B5EF4-FFF2-40B4-BE49-F238E27FC236}">
-                <a16:creationId xmlns:a16="http://schemas.microsoft.com/office/drawing/2014/main" id="{3ED82606-AF34-40B0-93DE-6564CCBE1FB0}"/>
-              </a:ext>
-            </a:extLst>
-          </p:cNvPr>
-          <p:cNvSpPr>
-            <a:spLocks noGrp="1"/>
-          </p:cNvSpPr>
-          <p:nvPr>
-            <p:ph idx="1"/>
-          </p:nvPr>
-        </p:nvSpPr>
-        <p:spPr>
-          <a:xfrm>
-            <a:off x="433086" y="869105"/>
-            <a:ext cx="10515600" cy="5565775"/>
-          </a:xfrm>
-        </p:spPr>
-        <p:txBody>
-          <a:bodyPr>
-            <a:normAutofit fontScale="92500" lnSpcReduction="20000"/>
-          </a:bodyPr>
-          <a:lstStyle/>
-          <a:p>
+                  <a:srgbClr val="FF0000"/>
+                </a:solidFill>
+              </a:rPr>
+              <a:t>warnings</a:t>
+            </a:r>
             <a:r>
               <a:rPr lang="en-GB" dirty="0"/>
-              <a:t>Log in to a node so you can work at the command line. </a:t>
+              <a:t>. This is useful to track errors and find out why your tool is not working. </a:t>
             </a:r>
           </a:p>
           <a:p>
             <a:r>
               <a:rPr lang="en-GB" dirty="0"/>
-              <a:t>This is the official way:</a:t>
-            </a:r>
-          </a:p>
-          <a:p>
-            <a:pPr marL="0" indent="0">
-              <a:buNone/>
-            </a:pPr>
-            <a:r>
-              <a:rPr lang="en-GB" dirty="0">
-                <a:solidFill>
-                  <a:srgbClr val="0070C0"/>
-                </a:solidFill>
-              </a:rPr>
-              <a:t>        </a:t>
-            </a:r>
-            <a:r>
-              <a:rPr lang="en-GB" dirty="0" err="1">
-                <a:solidFill>
-                  <a:srgbClr val="0070C0"/>
-                </a:solidFill>
-              </a:rPr>
-              <a:t>qrsh</a:t>
-            </a:r>
-            <a:r>
-              <a:rPr lang="en-GB" dirty="0">
-                <a:solidFill>
-                  <a:srgbClr val="0070C0"/>
-                </a:solidFill>
-              </a:rPr>
-              <a:t> </a:t>
-            </a:r>
-          </a:p>
-          <a:p>
-            <a:pPr marL="0" indent="0">
-              <a:buNone/>
-            </a:pPr>
-            <a:r>
-              <a:rPr lang="en-GB" dirty="0"/>
-              <a:t>To get to a specific node:</a:t>
-            </a:r>
-          </a:p>
-          <a:p>
-            <a:pPr marL="0" indent="0">
-              <a:buNone/>
-            </a:pPr>
-            <a:r>
-              <a:rPr lang="en-GB" dirty="0">
-                <a:solidFill>
-                  <a:srgbClr val="0070C0"/>
-                </a:solidFill>
-              </a:rPr>
-              <a:t>        </a:t>
-            </a:r>
-            <a:r>
-              <a:rPr lang="en-GB" dirty="0" err="1">
-                <a:solidFill>
-                  <a:srgbClr val="0070C0"/>
-                </a:solidFill>
-              </a:rPr>
-              <a:t>qrsh</a:t>
-            </a:r>
-            <a:r>
-              <a:rPr lang="en-GB" dirty="0">
-                <a:solidFill>
-                  <a:srgbClr val="0070C0"/>
-                </a:solidFill>
-              </a:rPr>
-              <a:t> -l hostname=“node3”</a:t>
-            </a:r>
-          </a:p>
-          <a:p>
-            <a:pPr marL="0" indent="0">
-              <a:buNone/>
-            </a:pPr>
-            <a:r>
-              <a:rPr lang="en-GB" dirty="0"/>
-              <a:t>Multi core </a:t>
-            </a:r>
-            <a:r>
-              <a:rPr lang="en-GB" dirty="0" err="1"/>
-              <a:t>qrsh</a:t>
-            </a:r>
-            <a:r>
-              <a:rPr lang="en-GB" dirty="0"/>
-              <a:t> job</a:t>
-            </a:r>
-          </a:p>
-          <a:p>
-            <a:pPr marL="0" indent="0">
-              <a:buNone/>
-            </a:pPr>
-            <a:r>
-              <a:rPr lang="en-GB" dirty="0">
-                <a:solidFill>
-                  <a:srgbClr val="0070C0"/>
-                </a:solidFill>
-              </a:rPr>
-              <a:t>        </a:t>
-            </a:r>
-            <a:r>
-              <a:rPr lang="en-GB" dirty="0" err="1">
-                <a:solidFill>
-                  <a:srgbClr val="0070C0"/>
-                </a:solidFill>
-              </a:rPr>
-              <a:t>qrsh</a:t>
-            </a:r>
-            <a:r>
-              <a:rPr lang="en-GB" dirty="0">
-                <a:solidFill>
-                  <a:srgbClr val="0070C0"/>
-                </a:solidFill>
-              </a:rPr>
-              <a:t> -</a:t>
-            </a:r>
-            <a:r>
-              <a:rPr lang="en-GB" dirty="0" err="1">
-                <a:solidFill>
-                  <a:srgbClr val="0070C0"/>
-                </a:solidFill>
-              </a:rPr>
-              <a:t>pe</a:t>
-            </a:r>
-            <a:r>
-              <a:rPr lang="en-GB" dirty="0">
-                <a:solidFill>
-                  <a:srgbClr val="0070C0"/>
-                </a:solidFill>
-              </a:rPr>
-              <a:t> multi 4</a:t>
-            </a:r>
-          </a:p>
-          <a:p>
-            <a:pPr marL="0" indent="0">
-              <a:buNone/>
-            </a:pPr>
-            <a:r>
-              <a:rPr lang="en-GB" dirty="0">
-                <a:solidFill>
-                  <a:srgbClr val="0070C0"/>
-                </a:solidFill>
-              </a:rPr>
-              <a:t>        logout   </a:t>
-            </a:r>
-            <a:r>
-              <a:rPr lang="en-GB" dirty="0"/>
-              <a:t>or</a:t>
-            </a:r>
-            <a:r>
-              <a:rPr lang="en-GB" dirty="0">
-                <a:solidFill>
-                  <a:srgbClr val="0070C0"/>
-                </a:solidFill>
-              </a:rPr>
-              <a:t>    </a:t>
-            </a:r>
-            <a:r>
-              <a:rPr lang="en-GB" dirty="0" err="1">
-                <a:solidFill>
-                  <a:srgbClr val="0070C0"/>
-                </a:solidFill>
-              </a:rPr>
-              <a:t>Ctrl+d</a:t>
-            </a:r>
-            <a:r>
-              <a:rPr lang="en-GB" dirty="0">
-                <a:solidFill>
-                  <a:srgbClr val="0070C0"/>
-                </a:solidFill>
-              </a:rPr>
-              <a:t>   </a:t>
-            </a:r>
-            <a:r>
-              <a:rPr lang="en-GB" dirty="0"/>
-              <a:t>(to log out)</a:t>
-            </a:r>
-          </a:p>
-          <a:p>
-            <a:pPr marL="0" indent="0">
-              <a:buNone/>
-            </a:pPr>
+              <a:t>TRUST me this will </a:t>
+            </a:r>
+            <a:r>
+              <a:rPr lang="en-GB"/>
+              <a:t>be useful</a:t>
+            </a:r>
             <a:endParaRPr lang="en-GB" dirty="0"/>
-          </a:p>
-          <a:p>
-            <a:pPr marL="0" indent="0">
-              <a:buNone/>
-            </a:pPr>
-            <a:r>
-              <a:rPr lang="en-GB" dirty="0"/>
-              <a:t>For really long jobs, you should use  </a:t>
-            </a:r>
-            <a:r>
-              <a:rPr lang="en-GB" dirty="0">
-                <a:solidFill>
-                  <a:srgbClr val="0070C0"/>
-                </a:solidFill>
-              </a:rPr>
-              <a:t>screen</a:t>
-            </a:r>
-          </a:p>
-          <a:p>
-            <a:pPr marL="0" indent="0">
-              <a:buNone/>
-            </a:pPr>
-            <a:endParaRPr lang="en-GB" dirty="0">
-              <a:solidFill>
-                <a:srgbClr val="0070C0"/>
-              </a:solidFill>
-            </a:endParaRPr>
-          </a:p>
-          <a:p>
-            <a:pPr marL="0" indent="0">
-              <a:buNone/>
-            </a:pPr>
-            <a:r>
-              <a:rPr lang="en-GB" sz="2200" dirty="0">
-                <a:solidFill>
-                  <a:srgbClr val="0070C0"/>
-                </a:solidFill>
-                <a:hlinkClick r:id="rId2"/>
-              </a:rPr>
-              <a:t>https://linuxize.com/post/how-to-use-linux-screen/</a:t>
-            </a:r>
-            <a:endParaRPr lang="en-GB" sz="2200" dirty="0">
-              <a:solidFill>
-                <a:srgbClr val="0070C0"/>
-              </a:solidFill>
-            </a:endParaRPr>
-          </a:p>
-          <a:p>
-            <a:pPr marL="0" indent="0">
-              <a:buNone/>
-            </a:pPr>
-            <a:r>
-              <a:rPr lang="en-GB" dirty="0"/>
-              <a:t>This is beyond a beginners course. </a:t>
-            </a:r>
-          </a:p>
-          <a:p>
-            <a:pPr marL="0" indent="0">
-              <a:buNone/>
-            </a:pPr>
-            <a:endParaRPr lang="en-GB" dirty="0">
-              <a:solidFill>
-                <a:srgbClr val="0070C0"/>
-              </a:solidFill>
-            </a:endParaRPr>
-          </a:p>
-          <a:p>
-            <a:pPr marL="0" indent="0">
-              <a:buNone/>
-            </a:pPr>
-            <a:endParaRPr lang="en-GB" dirty="0">
-              <a:solidFill>
-                <a:srgbClr val="0070C0"/>
-              </a:solidFill>
-            </a:endParaRPr>
-          </a:p>
-          <a:p>
-            <a:pPr marL="0" indent="0">
-              <a:buNone/>
-            </a:pPr>
-            <a:endParaRPr lang="en-GB" dirty="0">
-              <a:solidFill>
-                <a:srgbClr val="0070C0"/>
-              </a:solidFill>
-            </a:endParaRPr>
-          </a:p>
-        </p:txBody>
-      </p:sp>
-      <p:sp>
-        <p:nvSpPr>
-          <p:cNvPr id="4" name="TextBox 3">
-            <a:extLst>
-              <a:ext uri="{FF2B5EF4-FFF2-40B4-BE49-F238E27FC236}">
-                <a16:creationId xmlns:a16="http://schemas.microsoft.com/office/drawing/2014/main" id="{41992268-DD8C-410A-A310-795BB07158A3}"/>
-              </a:ext>
-            </a:extLst>
-          </p:cNvPr>
-          <p:cNvSpPr txBox="1"/>
-          <p:nvPr/>
-        </p:nvSpPr>
-        <p:spPr>
-          <a:xfrm>
-            <a:off x="10350500" y="0"/>
-            <a:ext cx="1841500" cy="584775"/>
-          </a:xfrm>
-          <a:prstGeom prst="rect">
-            <a:avLst/>
-          </a:prstGeom>
-          <a:noFill/>
-        </p:spPr>
-        <p:txBody>
-          <a:bodyPr wrap="square" rtlCol="0">
-            <a:spAutoFit/>
-          </a:bodyPr>
-          <a:lstStyle/>
-          <a:p>
-            <a:r>
-              <a:rPr lang="en-GB" sz="3200" dirty="0">
-                <a:solidFill>
-                  <a:srgbClr val="FF0000"/>
-                </a:solidFill>
-                <a:highlight>
-                  <a:srgbClr val="FFFF00"/>
-                </a:highlight>
-              </a:rPr>
-              <a:t>ACTIVITY</a:t>
-            </a:r>
-            <a:endParaRPr lang="en-GB" sz="2800" dirty="0">
-              <a:solidFill>
-                <a:srgbClr val="FF0000"/>
-              </a:solidFill>
-              <a:highlight>
-                <a:srgbClr val="FFFF00"/>
-              </a:highlight>
-            </a:endParaRPr>
           </a:p>
         </p:txBody>
       </p:sp>
     </p:spTree>
     <p:extLst>
       <p:ext uri="{BB962C8B-B14F-4D97-AF65-F5344CB8AC3E}">
-        <p14:creationId xmlns:p14="http://schemas.microsoft.com/office/powerpoint/2010/main" val="167292655"/>
+        <p14:creationId xmlns:p14="http://schemas.microsoft.com/office/powerpoint/2010/main" val="88670009"/>
       </p:ext>
     </p:extLst>
   </p:cSld>

--- a/cluster_course/powerpoint/5_qsub.pptx
+++ b/cluster_course/powerpoint/5_qsub.pptx
@@ -13,9 +13,10 @@
     <p:sldId id="325" r:id="rId7"/>
     <p:sldId id="286" r:id="rId8"/>
     <p:sldId id="287" r:id="rId9"/>
-    <p:sldId id="322" r:id="rId10"/>
-    <p:sldId id="282" r:id="rId11"/>
-    <p:sldId id="323" r:id="rId12"/>
+    <p:sldId id="326" r:id="rId10"/>
+    <p:sldId id="322" r:id="rId11"/>
+    <p:sldId id="282" r:id="rId12"/>
+    <p:sldId id="323" r:id="rId13"/>
   </p:sldIdLst>
   <p:sldSz cx="12192000" cy="6858000"/>
   <p:notesSz cx="6858000" cy="9144000"/>
@@ -271,7 +272,7 @@
           <a:p>
             <a:fld id="{C47C7284-A6CB-4DDC-9758-16B7E815B14E}" type="datetimeFigureOut">
               <a:rPr lang="en-GB" smtClean="0"/>
-              <a:t>22/05/2019</a:t>
+              <a:t>28/10/2019</a:t>
             </a:fld>
             <a:endParaRPr lang="en-GB"/>
           </a:p>
@@ -471,7 +472,7 @@
           <a:p>
             <a:fld id="{C47C7284-A6CB-4DDC-9758-16B7E815B14E}" type="datetimeFigureOut">
               <a:rPr lang="en-GB" smtClean="0"/>
-              <a:t>22/05/2019</a:t>
+              <a:t>28/10/2019</a:t>
             </a:fld>
             <a:endParaRPr lang="en-GB"/>
           </a:p>
@@ -681,7 +682,7 @@
           <a:p>
             <a:fld id="{C47C7284-A6CB-4DDC-9758-16B7E815B14E}" type="datetimeFigureOut">
               <a:rPr lang="en-GB" smtClean="0"/>
-              <a:t>22/05/2019</a:t>
+              <a:t>28/10/2019</a:t>
             </a:fld>
             <a:endParaRPr lang="en-GB"/>
           </a:p>
@@ -881,7 +882,7 @@
           <a:p>
             <a:fld id="{C47C7284-A6CB-4DDC-9758-16B7E815B14E}" type="datetimeFigureOut">
               <a:rPr lang="en-GB" smtClean="0"/>
-              <a:t>22/05/2019</a:t>
+              <a:t>28/10/2019</a:t>
             </a:fld>
             <a:endParaRPr lang="en-GB"/>
           </a:p>
@@ -1157,7 +1158,7 @@
           <a:p>
             <a:fld id="{C47C7284-A6CB-4DDC-9758-16B7E815B14E}" type="datetimeFigureOut">
               <a:rPr lang="en-GB" smtClean="0"/>
-              <a:t>22/05/2019</a:t>
+              <a:t>28/10/2019</a:t>
             </a:fld>
             <a:endParaRPr lang="en-GB"/>
           </a:p>
@@ -1425,7 +1426,7 @@
           <a:p>
             <a:fld id="{C47C7284-A6CB-4DDC-9758-16B7E815B14E}" type="datetimeFigureOut">
               <a:rPr lang="en-GB" smtClean="0"/>
-              <a:t>22/05/2019</a:t>
+              <a:t>28/10/2019</a:t>
             </a:fld>
             <a:endParaRPr lang="en-GB"/>
           </a:p>
@@ -1840,7 +1841,7 @@
           <a:p>
             <a:fld id="{C47C7284-A6CB-4DDC-9758-16B7E815B14E}" type="datetimeFigureOut">
               <a:rPr lang="en-GB" smtClean="0"/>
-              <a:t>22/05/2019</a:t>
+              <a:t>28/10/2019</a:t>
             </a:fld>
             <a:endParaRPr lang="en-GB"/>
           </a:p>
@@ -1982,7 +1983,7 @@
           <a:p>
             <a:fld id="{C47C7284-A6CB-4DDC-9758-16B7E815B14E}" type="datetimeFigureOut">
               <a:rPr lang="en-GB" smtClean="0"/>
-              <a:t>22/05/2019</a:t>
+              <a:t>28/10/2019</a:t>
             </a:fld>
             <a:endParaRPr lang="en-GB"/>
           </a:p>
@@ -2095,7 +2096,7 @@
           <a:p>
             <a:fld id="{C47C7284-A6CB-4DDC-9758-16B7E815B14E}" type="datetimeFigureOut">
               <a:rPr lang="en-GB" smtClean="0"/>
-              <a:t>22/05/2019</a:t>
+              <a:t>28/10/2019</a:t>
             </a:fld>
             <a:endParaRPr lang="en-GB"/>
           </a:p>
@@ -2408,7 +2409,7 @@
           <a:p>
             <a:fld id="{C47C7284-A6CB-4DDC-9758-16B7E815B14E}" type="datetimeFigureOut">
               <a:rPr lang="en-GB" smtClean="0"/>
-              <a:t>22/05/2019</a:t>
+              <a:t>28/10/2019</a:t>
             </a:fld>
             <a:endParaRPr lang="en-GB"/>
           </a:p>
@@ -2697,7 +2698,7 @@
           <a:p>
             <a:fld id="{C47C7284-A6CB-4DDC-9758-16B7E815B14E}" type="datetimeFigureOut">
               <a:rPr lang="en-GB" smtClean="0"/>
-              <a:t>22/05/2019</a:t>
+              <a:t>28/10/2019</a:t>
             </a:fld>
             <a:endParaRPr lang="en-GB"/>
           </a:p>
@@ -2940,7 +2941,7 @@
           <a:p>
             <a:fld id="{C47C7284-A6CB-4DDC-9758-16B7E815B14E}" type="datetimeFigureOut">
               <a:rPr lang="en-GB" smtClean="0"/>
-              <a:t>22/05/2019</a:t>
+              <a:t>28/10/2019</a:t>
             </a:fld>
             <a:endParaRPr lang="en-GB"/>
           </a:p>
@@ -3446,6 +3447,204 @@
           <p:cNvPr id="2" name="Title 1">
             <a:extLst>
               <a:ext uri="{FF2B5EF4-FFF2-40B4-BE49-F238E27FC236}">
+                <a16:creationId xmlns:a16="http://schemas.microsoft.com/office/drawing/2014/main" id="{D15D7644-D1F4-4489-90E1-0AB82985E627}"/>
+              </a:ext>
+            </a:extLst>
+          </p:cNvPr>
+          <p:cNvSpPr>
+            <a:spLocks noGrp="1"/>
+          </p:cNvSpPr>
+          <p:nvPr>
+            <p:ph type="title"/>
+          </p:nvPr>
+        </p:nvSpPr>
+        <p:spPr/>
+        <p:txBody>
+          <a:bodyPr/>
+          <a:lstStyle/>
+          <a:p>
+            <a:r>
+              <a:rPr lang="en-GB" dirty="0">
+                <a:solidFill>
+                  <a:srgbClr val="7030A0"/>
+                </a:solidFill>
+              </a:rPr>
+              <a:t>5) </a:t>
+            </a:r>
+            <a:r>
+              <a:rPr lang="en-GB" dirty="0" err="1">
+                <a:solidFill>
+                  <a:srgbClr val="7030A0"/>
+                </a:solidFill>
+              </a:rPr>
+              <a:t>qsub</a:t>
+            </a:r>
+            <a:r>
+              <a:rPr lang="en-GB" dirty="0">
+                <a:solidFill>
+                  <a:srgbClr val="7030A0"/>
+                </a:solidFill>
+              </a:rPr>
+              <a:t>: </a:t>
+            </a:r>
+            <a:r>
+              <a:rPr lang="en-GB" dirty="0" err="1">
+                <a:solidFill>
+                  <a:srgbClr val="7030A0"/>
+                </a:solidFill>
+              </a:rPr>
+              <a:t>qsub</a:t>
+            </a:r>
+            <a:r>
+              <a:rPr lang="en-GB" dirty="0">
+                <a:solidFill>
+                  <a:srgbClr val="7030A0"/>
+                </a:solidFill>
+              </a:rPr>
+              <a:t> output files .o and .e files</a:t>
+            </a:r>
+          </a:p>
+        </p:txBody>
+      </p:sp>
+      <p:sp>
+        <p:nvSpPr>
+          <p:cNvPr id="3" name="Content Placeholder 2">
+            <a:extLst>
+              <a:ext uri="{FF2B5EF4-FFF2-40B4-BE49-F238E27FC236}">
+                <a16:creationId xmlns:a16="http://schemas.microsoft.com/office/drawing/2014/main" id="{30FC31A4-5CFC-40C3-8650-DF53E562F052}"/>
+              </a:ext>
+            </a:extLst>
+          </p:cNvPr>
+          <p:cNvSpPr>
+            <a:spLocks noGrp="1"/>
+          </p:cNvSpPr>
+          <p:nvPr>
+            <p:ph idx="1"/>
+          </p:nvPr>
+        </p:nvSpPr>
+        <p:spPr>
+          <a:xfrm>
+            <a:off x="556953" y="1825625"/>
+            <a:ext cx="11130742" cy="4351338"/>
+          </a:xfrm>
+        </p:spPr>
+        <p:txBody>
+          <a:bodyPr/>
+          <a:lstStyle/>
+          <a:p>
+            <a:r>
+              <a:rPr lang="en-GB" dirty="0"/>
+              <a:t>Each time you run a job you get 2 output file.</a:t>
+            </a:r>
+          </a:p>
+          <a:p>
+            <a:r>
+              <a:rPr lang="en-GB" dirty="0"/>
+              <a:t> </a:t>
+            </a:r>
+            <a:r>
+              <a:rPr lang="en-GB" dirty="0">
+                <a:solidFill>
+                  <a:srgbClr val="FF0000"/>
+                </a:solidFill>
+              </a:rPr>
+              <a:t>.o</a:t>
+            </a:r>
+            <a:r>
+              <a:rPr lang="en-GB" dirty="0"/>
+              <a:t> files have normal </a:t>
+            </a:r>
+            <a:r>
+              <a:rPr lang="en-GB" dirty="0">
+                <a:solidFill>
+                  <a:srgbClr val="FF0000"/>
+                </a:solidFill>
+              </a:rPr>
+              <a:t>output</a:t>
+            </a:r>
+            <a:r>
+              <a:rPr lang="en-GB" dirty="0"/>
+              <a:t> from whatever tool is being used. </a:t>
+            </a:r>
+          </a:p>
+          <a:p>
+            <a:r>
+              <a:rPr lang="en-GB" dirty="0"/>
+              <a:t> </a:t>
+            </a:r>
+            <a:r>
+              <a:rPr lang="en-GB" dirty="0">
+                <a:solidFill>
+                  <a:srgbClr val="FF0000"/>
+                </a:solidFill>
+              </a:rPr>
+              <a:t>.e </a:t>
+            </a:r>
+            <a:r>
+              <a:rPr lang="en-GB" dirty="0"/>
+              <a:t>are errors or </a:t>
+            </a:r>
+            <a:r>
+              <a:rPr lang="en-GB" dirty="0">
+                <a:solidFill>
+                  <a:srgbClr val="FF0000"/>
+                </a:solidFill>
+              </a:rPr>
+              <a:t>warnings</a:t>
+            </a:r>
+            <a:r>
+              <a:rPr lang="en-GB" dirty="0"/>
+              <a:t>. This is useful to track errors and find out why your tool is not working. </a:t>
+            </a:r>
+          </a:p>
+          <a:p>
+            <a:r>
+              <a:rPr lang="en-GB" dirty="0"/>
+              <a:t>TRUST me this will </a:t>
+            </a:r>
+            <a:r>
+              <a:rPr lang="en-GB"/>
+              <a:t>be useful</a:t>
+            </a:r>
+            <a:endParaRPr lang="en-GB" dirty="0"/>
+          </a:p>
+        </p:txBody>
+      </p:sp>
+    </p:spTree>
+    <p:extLst>
+      <p:ext uri="{BB962C8B-B14F-4D97-AF65-F5344CB8AC3E}">
+        <p14:creationId xmlns:p14="http://schemas.microsoft.com/office/powerpoint/2010/main" val="88670009"/>
+      </p:ext>
+    </p:extLst>
+  </p:cSld>
+  <p:clrMapOvr>
+    <a:masterClrMapping/>
+  </p:clrMapOvr>
+</p:sld>
+</file>
+
+<file path=ppt/slides/slide11.xml><?xml version="1.0" encoding="utf-8"?>
+<p:sld xmlns:a="http://schemas.openxmlformats.org/drawingml/2006/main" xmlns:r="http://schemas.openxmlformats.org/officeDocument/2006/relationships" xmlns:p="http://schemas.openxmlformats.org/presentationml/2006/main">
+  <p:cSld>
+    <p:spTree>
+      <p:nvGrpSpPr>
+        <p:cNvPr id="1" name=""/>
+        <p:cNvGrpSpPr/>
+        <p:nvPr/>
+      </p:nvGrpSpPr>
+      <p:grpSpPr>
+        <a:xfrm>
+          <a:off x="0" y="0"/>
+          <a:ext cx="0" cy="0"/>
+          <a:chOff x="0" y="0"/>
+          <a:chExt cx="0" cy="0"/>
+        </a:xfrm>
+      </p:grpSpPr>
+      <p:sp>
+        <p:nvSpPr>
+          <p:cNvPr id="2" name="Title 1">
+            <a:extLst>
+              <a:ext uri="{FF2B5EF4-FFF2-40B4-BE49-F238E27FC236}">
                 <a16:creationId xmlns:a16="http://schemas.microsoft.com/office/drawing/2014/main" id="{4E060FB7-106E-4BA6-9906-CCA751DDABD3}"/>
               </a:ext>
             </a:extLst>
@@ -3901,7 +4100,7 @@
 </p:sld>
 </file>
 
-<file path=ppt/slides/slide11.xml><?xml version="1.0" encoding="utf-8"?>
+<file path=ppt/slides/slide12.xml><?xml version="1.0" encoding="utf-8"?>
 <p:sld xmlns:a="http://schemas.openxmlformats.org/drawingml/2006/main" xmlns:r="http://schemas.openxmlformats.org/officeDocument/2006/relationships" xmlns:p="http://schemas.openxmlformats.org/presentationml/2006/main">
   <p:cSld>
     <p:spTree>
@@ -5456,7 +5655,7 @@
         </p:spPr>
         <p:txBody>
           <a:bodyPr>
-            <a:normAutofit fontScale="92500" lnSpcReduction="10000"/>
+            <a:normAutofit lnSpcReduction="10000"/>
           </a:bodyPr>
           <a:lstStyle/>
           <a:p>
@@ -5512,15 +5711,15 @@
                   <a:schemeClr val="accent1"/>
                 </a:solidFill>
               </a:rPr>
-              <a:t> -V -</a:t>
-            </a:r>
-            <a:r>
-              <a:rPr lang="en-GB" dirty="0" err="1">
+              <a:t> -V -pe multi </a:t>
+            </a:r>
+            <a:r>
+              <a:rPr lang="en-GB" u="sng" dirty="0">
                 <a:solidFill>
                   <a:schemeClr val="accent1"/>
                 </a:solidFill>
               </a:rPr>
-              <a:t>pe</a:t>
+              <a:t>4</a:t>
             </a:r>
             <a:r>
               <a:rPr lang="en-GB" dirty="0">
@@ -5528,59 +5727,7 @@
                   <a:schemeClr val="accent1"/>
                 </a:solidFill>
               </a:rPr>
-              <a:t> multi </a:t>
-            </a:r>
-            <a:r>
-              <a:rPr lang="en-GB" u="sng" dirty="0">
-                <a:solidFill>
-                  <a:schemeClr val="accent1"/>
-                </a:solidFill>
-              </a:rPr>
-              <a:t>4</a:t>
-            </a:r>
-            <a:r>
-              <a:rPr lang="en-GB" dirty="0">
-                <a:solidFill>
-                  <a:schemeClr val="accent1"/>
-                </a:solidFill>
-              </a:rPr>
-              <a:t> script.sh    </a:t>
-            </a:r>
-            <a:r>
-              <a:rPr lang="en-GB" dirty="0"/>
-              <a:t>(</a:t>
-            </a:r>
-            <a:r>
-              <a:rPr lang="en-GB" u="sng" dirty="0">
-                <a:solidFill>
-                  <a:srgbClr val="0070C0"/>
-                </a:solidFill>
-              </a:rPr>
-              <a:t>multi</a:t>
-            </a:r>
-            <a:r>
-              <a:rPr lang="en-GB" dirty="0"/>
-              <a:t>, you may read </a:t>
-            </a:r>
-            <a:r>
-              <a:rPr lang="en-GB" dirty="0" err="1">
-                <a:solidFill>
-                  <a:srgbClr val="FF0000"/>
-                </a:solidFill>
-              </a:rPr>
-              <a:t>smp</a:t>
-            </a:r>
-            <a:r>
-              <a:rPr lang="en-GB" dirty="0">
-                <a:solidFill>
-                  <a:srgbClr val="FF0000"/>
-                </a:solidFill>
-              </a:rPr>
-              <a:t> </a:t>
-            </a:r>
-            <a:r>
-              <a:rPr lang="en-GB" dirty="0"/>
-              <a:t>elsewhere)</a:t>
+              <a:t> script.sh</a:t>
             </a:r>
           </a:p>
           <a:p>
@@ -7509,7 +7656,7 @@
           <p:cNvPr id="2" name="Title 1">
             <a:extLst>
               <a:ext uri="{FF2B5EF4-FFF2-40B4-BE49-F238E27FC236}">
-                <a16:creationId xmlns:a16="http://schemas.microsoft.com/office/drawing/2014/main" id="{D15D7644-D1F4-4489-90E1-0AB82985E627}"/>
+                <a16:creationId xmlns:a16="http://schemas.microsoft.com/office/drawing/2014/main" id="{8D81FC52-8EFC-4D85-89FB-65726FCE7C6E}"/>
               </a:ext>
             </a:extLst>
           </p:cNvPr>
@@ -7518,164 +7665,113 @@
           </p:cNvSpPr>
           <p:nvPr>
             <p:ph type="title"/>
-          </p:nvPr>
-        </p:nvSpPr>
-        <p:spPr/>
-        <p:txBody>
-          <a:bodyPr/>
-          <a:lstStyle/>
-          <a:p>
-            <a:r>
-              <a:rPr lang="en-GB" dirty="0">
-                <a:solidFill>
-                  <a:srgbClr val="7030A0"/>
-                </a:solidFill>
-              </a:rPr>
-              <a:t>5) </a:t>
-            </a:r>
-            <a:r>
-              <a:rPr lang="en-GB" dirty="0" err="1">
-                <a:solidFill>
-                  <a:srgbClr val="7030A0"/>
-                </a:solidFill>
-              </a:rPr>
-              <a:t>qsub</a:t>
-            </a:r>
-            <a:r>
-              <a:rPr lang="en-GB" dirty="0">
-                <a:solidFill>
-                  <a:srgbClr val="7030A0"/>
-                </a:solidFill>
-              </a:rPr>
-              <a:t>: </a:t>
-            </a:r>
-            <a:r>
-              <a:rPr lang="en-GB" dirty="0" err="1">
-                <a:solidFill>
-                  <a:srgbClr val="7030A0"/>
-                </a:solidFill>
-              </a:rPr>
-              <a:t>qsub</a:t>
-            </a:r>
-            <a:r>
-              <a:rPr lang="en-GB" dirty="0">
-                <a:solidFill>
-                  <a:srgbClr val="7030A0"/>
-                </a:solidFill>
-              </a:rPr>
-              <a:t> output files .o and .e files</a:t>
-            </a:r>
-          </a:p>
-        </p:txBody>
-      </p:sp>
-      <p:sp>
-        <p:nvSpPr>
-          <p:cNvPr id="3" name="Content Placeholder 2">
-            <a:extLst>
-              <a:ext uri="{FF2B5EF4-FFF2-40B4-BE49-F238E27FC236}">
-                <a16:creationId xmlns:a16="http://schemas.microsoft.com/office/drawing/2014/main" id="{30FC31A4-5CFC-40C3-8650-DF53E562F052}"/>
-              </a:ext>
-            </a:extLst>
-          </p:cNvPr>
-          <p:cNvSpPr>
-            <a:spLocks noGrp="1"/>
-          </p:cNvSpPr>
-          <p:nvPr>
-            <p:ph idx="1"/>
           </p:nvPr>
         </p:nvSpPr>
         <p:spPr>
           <a:xfrm>
-            <a:off x="556953" y="1825625"/>
-            <a:ext cx="11130742" cy="4351338"/>
+            <a:off x="838200" y="-104775"/>
+            <a:ext cx="10515600" cy="1325563"/>
           </a:xfrm>
         </p:spPr>
         <p:txBody>
           <a:bodyPr/>
           <a:lstStyle/>
           <a:p>
+            <a:pPr algn="ctr"/>
+            <a:r>
+              <a:rPr lang="en-GB" dirty="0">
+                <a:solidFill>
+                  <a:srgbClr val="7030A0"/>
+                </a:solidFill>
+              </a:rPr>
+              <a:t>5) </a:t>
+            </a:r>
+            <a:r>
+              <a:rPr lang="en-GB" dirty="0" err="1">
+                <a:solidFill>
+                  <a:srgbClr val="7030A0"/>
+                </a:solidFill>
+              </a:rPr>
+              <a:t>qhost</a:t>
+            </a:r>
+            <a:endParaRPr lang="en-GB" dirty="0">
+              <a:solidFill>
+                <a:srgbClr val="7030A0"/>
+              </a:solidFill>
+            </a:endParaRPr>
+          </a:p>
+        </p:txBody>
+      </p:sp>
+      <p:sp>
+        <p:nvSpPr>
+          <p:cNvPr id="5" name="Content Placeholder 4">
+            <a:extLst>
+              <a:ext uri="{FF2B5EF4-FFF2-40B4-BE49-F238E27FC236}">
+                <a16:creationId xmlns:a16="http://schemas.microsoft.com/office/drawing/2014/main" id="{3976CEAB-A2EE-4D50-A5EE-E26EA0079369}"/>
+              </a:ext>
+            </a:extLst>
+          </p:cNvPr>
+          <p:cNvSpPr>
+            <a:spLocks noGrp="1"/>
+          </p:cNvSpPr>
+          <p:nvPr>
+            <p:ph idx="1"/>
+          </p:nvPr>
+        </p:nvSpPr>
+        <p:spPr>
+          <a:xfrm>
+            <a:off x="625136" y="1142044"/>
+            <a:ext cx="10515600" cy="4351338"/>
+          </a:xfrm>
+        </p:spPr>
+        <p:txBody>
+          <a:bodyPr/>
+          <a:lstStyle/>
+          <a:p>
+            <a:r>
+              <a:rPr lang="en-GB" dirty="0" err="1"/>
+              <a:t>qhost</a:t>
+            </a:r>
             <a:r>
               <a:rPr lang="en-GB" dirty="0"/>
-              <a:t>Each time you run a job you get 2 output file.</a:t>
-            </a:r>
-          </a:p>
-          <a:p>
-            <a:r>
-              <a:rPr lang="en-GB" dirty="0"/>
-              <a:t> </a:t>
-            </a:r>
-            <a:r>
-              <a:rPr lang="en-GB" dirty="0">
-                <a:solidFill>
-                  <a:srgbClr val="FF0000"/>
-                </a:solidFill>
-              </a:rPr>
-              <a:t>.o</a:t>
-            </a:r>
-            <a:r>
-              <a:rPr lang="en-GB" dirty="0"/>
-              <a:t> files have normal </a:t>
-            </a:r>
-            <a:r>
-              <a:rPr lang="en-GB" dirty="0">
-                <a:solidFill>
-                  <a:srgbClr val="FF0000"/>
-                </a:solidFill>
-              </a:rPr>
-              <a:t>output</a:t>
-            </a:r>
-            <a:r>
-              <a:rPr lang="en-GB" dirty="0"/>
-              <a:t> from whatever tool is being used. </a:t>
-            </a:r>
-          </a:p>
-          <a:p>
-            <a:r>
-              <a:rPr lang="en-GB" dirty="0"/>
-              <a:t> </a:t>
-            </a:r>
-            <a:r>
-              <a:rPr lang="en-GB" dirty="0">
-                <a:solidFill>
-                  <a:srgbClr val="FF0000"/>
-                </a:solidFill>
-              </a:rPr>
-              <a:t>.e </a:t>
-            </a:r>
-            <a:r>
-              <a:rPr lang="en-GB" dirty="0"/>
-              <a:t>are errors or </a:t>
-            </a:r>
-            <a:r>
-              <a:rPr lang="en-GB" dirty="0">
-                <a:solidFill>
-                  <a:srgbClr val="FF0000"/>
-                </a:solidFill>
-              </a:rPr>
-              <a:t>warnings</a:t>
-            </a:r>
-            <a:r>
-              <a:rPr lang="en-GB" dirty="0"/>
-              <a:t>. This is useful to track errors and find out why your tool is not working. </a:t>
-            </a:r>
-          </a:p>
-          <a:p>
-            <a:r>
-              <a:rPr lang="en-GB" dirty="0"/>
-              <a:t>TRUST me this will </a:t>
-            </a:r>
-            <a:r>
-              <a:rPr lang="en-GB"/>
-              <a:t>be useful</a:t>
-            </a:r>
-            <a:endParaRPr lang="en-GB" dirty="0"/>
-          </a:p>
-        </p:txBody>
-      </p:sp>
+              <a:t> is useful</a:t>
+            </a:r>
+          </a:p>
+        </p:txBody>
+      </p:sp>
+      <p:pic>
+        <p:nvPicPr>
+          <p:cNvPr id="6" name="Picture 5">
+            <a:extLst>
+              <a:ext uri="{FF2B5EF4-FFF2-40B4-BE49-F238E27FC236}">
+                <a16:creationId xmlns:a16="http://schemas.microsoft.com/office/drawing/2014/main" id="{82A9AC25-74E1-4410-B78C-204EDFFD1DF9}"/>
+              </a:ext>
+            </a:extLst>
+          </p:cNvPr>
+          <p:cNvPicPr>
+            <a:picLocks noChangeAspect="1"/>
+          </p:cNvPicPr>
+          <p:nvPr/>
+        </p:nvPicPr>
+        <p:blipFill rotWithShape="1">
+          <a:blip r:embed="rId2"/>
+          <a:srcRect l="72021" t="54438" r="10073" b="21068"/>
+          <a:stretch/>
+        </p:blipFill>
+        <p:spPr>
+          <a:xfrm>
+            <a:off x="186431" y="1648444"/>
+            <a:ext cx="11310151" cy="4351338"/>
+          </a:xfrm>
+          <a:prstGeom prst="rect">
+            <a:avLst/>
+          </a:prstGeom>
+        </p:spPr>
+      </p:pic>
     </p:spTree>
     <p:extLst>
       <p:ext uri="{BB962C8B-B14F-4D97-AF65-F5344CB8AC3E}">
-        <p14:creationId xmlns:p14="http://schemas.microsoft.com/office/powerpoint/2010/main" val="88670009"/>
+        <p14:creationId xmlns:p14="http://schemas.microsoft.com/office/powerpoint/2010/main" val="4059015292"/>
       </p:ext>
     </p:extLst>
   </p:cSld>

--- a/cluster_course/powerpoint/5_qsub.pptx
+++ b/cluster_course/powerpoint/5_qsub.pptx
@@ -272,7 +272,7 @@
           <a:p>
             <a:fld id="{C47C7284-A6CB-4DDC-9758-16B7E815B14E}" type="datetimeFigureOut">
               <a:rPr lang="en-GB" smtClean="0"/>
-              <a:t>28/10/2019</a:t>
+              <a:t>30/10/2019</a:t>
             </a:fld>
             <a:endParaRPr lang="en-GB"/>
           </a:p>
@@ -472,7 +472,7 @@
           <a:p>
             <a:fld id="{C47C7284-A6CB-4DDC-9758-16B7E815B14E}" type="datetimeFigureOut">
               <a:rPr lang="en-GB" smtClean="0"/>
-              <a:t>28/10/2019</a:t>
+              <a:t>30/10/2019</a:t>
             </a:fld>
             <a:endParaRPr lang="en-GB"/>
           </a:p>
@@ -682,7 +682,7 @@
           <a:p>
             <a:fld id="{C47C7284-A6CB-4DDC-9758-16B7E815B14E}" type="datetimeFigureOut">
               <a:rPr lang="en-GB" smtClean="0"/>
-              <a:t>28/10/2019</a:t>
+              <a:t>30/10/2019</a:t>
             </a:fld>
             <a:endParaRPr lang="en-GB"/>
           </a:p>
@@ -882,7 +882,7 @@
           <a:p>
             <a:fld id="{C47C7284-A6CB-4DDC-9758-16B7E815B14E}" type="datetimeFigureOut">
               <a:rPr lang="en-GB" smtClean="0"/>
-              <a:t>28/10/2019</a:t>
+              <a:t>30/10/2019</a:t>
             </a:fld>
             <a:endParaRPr lang="en-GB"/>
           </a:p>
@@ -1158,7 +1158,7 @@
           <a:p>
             <a:fld id="{C47C7284-A6CB-4DDC-9758-16B7E815B14E}" type="datetimeFigureOut">
               <a:rPr lang="en-GB" smtClean="0"/>
-              <a:t>28/10/2019</a:t>
+              <a:t>30/10/2019</a:t>
             </a:fld>
             <a:endParaRPr lang="en-GB"/>
           </a:p>
@@ -1426,7 +1426,7 @@
           <a:p>
             <a:fld id="{C47C7284-A6CB-4DDC-9758-16B7E815B14E}" type="datetimeFigureOut">
               <a:rPr lang="en-GB" smtClean="0"/>
-              <a:t>28/10/2019</a:t>
+              <a:t>30/10/2019</a:t>
             </a:fld>
             <a:endParaRPr lang="en-GB"/>
           </a:p>
@@ -1841,7 +1841,7 @@
           <a:p>
             <a:fld id="{C47C7284-A6CB-4DDC-9758-16B7E815B14E}" type="datetimeFigureOut">
               <a:rPr lang="en-GB" smtClean="0"/>
-              <a:t>28/10/2019</a:t>
+              <a:t>30/10/2019</a:t>
             </a:fld>
             <a:endParaRPr lang="en-GB"/>
           </a:p>
@@ -1983,7 +1983,7 @@
           <a:p>
             <a:fld id="{C47C7284-A6CB-4DDC-9758-16B7E815B14E}" type="datetimeFigureOut">
               <a:rPr lang="en-GB" smtClean="0"/>
-              <a:t>28/10/2019</a:t>
+              <a:t>30/10/2019</a:t>
             </a:fld>
             <a:endParaRPr lang="en-GB"/>
           </a:p>
@@ -2096,7 +2096,7 @@
           <a:p>
             <a:fld id="{C47C7284-A6CB-4DDC-9758-16B7E815B14E}" type="datetimeFigureOut">
               <a:rPr lang="en-GB" smtClean="0"/>
-              <a:t>28/10/2019</a:t>
+              <a:t>30/10/2019</a:t>
             </a:fld>
             <a:endParaRPr lang="en-GB"/>
           </a:p>
@@ -2409,7 +2409,7 @@
           <a:p>
             <a:fld id="{C47C7284-A6CB-4DDC-9758-16B7E815B14E}" type="datetimeFigureOut">
               <a:rPr lang="en-GB" smtClean="0"/>
-              <a:t>28/10/2019</a:t>
+              <a:t>30/10/2019</a:t>
             </a:fld>
             <a:endParaRPr lang="en-GB"/>
           </a:p>
@@ -2698,7 +2698,7 @@
           <a:p>
             <a:fld id="{C47C7284-A6CB-4DDC-9758-16B7E815B14E}" type="datetimeFigureOut">
               <a:rPr lang="en-GB" smtClean="0"/>
-              <a:t>28/10/2019</a:t>
+              <a:t>30/10/2019</a:t>
             </a:fld>
             <a:endParaRPr lang="en-GB"/>
           </a:p>
@@ -2941,7 +2941,7 @@
           <a:p>
             <a:fld id="{C47C7284-A6CB-4DDC-9758-16B7E815B14E}" type="datetimeFigureOut">
               <a:rPr lang="en-GB" smtClean="0"/>
-              <a:t>28/10/2019</a:t>
+              <a:t>30/10/2019</a:t>
             </a:fld>
             <a:endParaRPr lang="en-GB"/>
           </a:p>
@@ -4203,6 +4203,17 @@
             </a:r>
           </a:p>
           <a:p>
+            <a:r>
+              <a:rPr lang="en-GB" dirty="0"/>
+              <a:t>-l hostname=node9    </a:t>
+            </a:r>
+            <a:r>
+              <a:rPr lang="en-GB"/>
+              <a:t>(easiest)</a:t>
+            </a:r>
+            <a:endParaRPr lang="en-GB" dirty="0"/>
+          </a:p>
+          <a:p>
             <a:pPr marL="0" indent="0">
               <a:buNone/>
             </a:pPr>
@@ -4477,7 +4488,7 @@
             </a:r>
             <a:r>
               <a:rPr lang="en-GB" dirty="0"/>
-              <a:t>(this only asks for a single core!)</a:t>
+              <a:t>(this only asks for a single core!) you need to check how 	many cores your tools wants to use, or tell it how many to use. </a:t>
             </a:r>
           </a:p>
         </p:txBody>
@@ -7768,6 +7779,100 @@
           </a:prstGeom>
         </p:spPr>
       </p:pic>
+      <p:sp>
+        <p:nvSpPr>
+          <p:cNvPr id="3" name="Rectangle 2">
+            <a:extLst>
+              <a:ext uri="{FF2B5EF4-FFF2-40B4-BE49-F238E27FC236}">
+                <a16:creationId xmlns:a16="http://schemas.microsoft.com/office/drawing/2014/main" id="{B690CE05-744C-4D18-9A7A-F3B70337D3AF}"/>
+              </a:ext>
+            </a:extLst>
+          </p:cNvPr>
+          <p:cNvSpPr/>
+          <p:nvPr/>
+        </p:nvSpPr>
+        <p:spPr>
+          <a:xfrm>
+            <a:off x="6248400" y="1404257"/>
+            <a:ext cx="1328057" cy="4680857"/>
+          </a:xfrm>
+          <a:prstGeom prst="rect">
+            <a:avLst/>
+          </a:prstGeom>
+          <a:noFill/>
+        </p:spPr>
+        <p:style>
+          <a:lnRef idx="2">
+            <a:schemeClr val="accent1">
+              <a:shade val="50000"/>
+            </a:schemeClr>
+          </a:lnRef>
+          <a:fillRef idx="1">
+            <a:schemeClr val="accent1"/>
+          </a:fillRef>
+          <a:effectRef idx="0">
+            <a:schemeClr val="accent1"/>
+          </a:effectRef>
+          <a:fontRef idx="minor">
+            <a:schemeClr val="lt1"/>
+          </a:fontRef>
+        </p:style>
+        <p:txBody>
+          <a:bodyPr rtlCol="0" anchor="ctr"/>
+          <a:lstStyle/>
+          <a:p>
+            <a:pPr algn="ctr"/>
+            <a:endParaRPr lang="en-GB" dirty="0"/>
+          </a:p>
+        </p:txBody>
+      </p:sp>
+      <p:sp>
+        <p:nvSpPr>
+          <p:cNvPr id="4" name="Rectangle 3">
+            <a:extLst>
+              <a:ext uri="{FF2B5EF4-FFF2-40B4-BE49-F238E27FC236}">
+                <a16:creationId xmlns:a16="http://schemas.microsoft.com/office/drawing/2014/main" id="{5E5C491E-0E9E-4382-8859-178419FFEB2C}"/>
+              </a:ext>
+            </a:extLst>
+          </p:cNvPr>
+          <p:cNvSpPr/>
+          <p:nvPr/>
+        </p:nvSpPr>
+        <p:spPr>
+          <a:xfrm>
+            <a:off x="7652658" y="1404257"/>
+            <a:ext cx="1981200" cy="4680857"/>
+          </a:xfrm>
+          <a:prstGeom prst="rect">
+            <a:avLst/>
+          </a:prstGeom>
+          <a:noFill/>
+        </p:spPr>
+        <p:style>
+          <a:lnRef idx="2">
+            <a:schemeClr val="accent1">
+              <a:shade val="50000"/>
+            </a:schemeClr>
+          </a:lnRef>
+          <a:fillRef idx="1">
+            <a:schemeClr val="accent1"/>
+          </a:fillRef>
+          <a:effectRef idx="0">
+            <a:schemeClr val="accent1"/>
+          </a:effectRef>
+          <a:fontRef idx="minor">
+            <a:schemeClr val="lt1"/>
+          </a:fontRef>
+        </p:style>
+        <p:txBody>
+          <a:bodyPr rtlCol="0" anchor="ctr"/>
+          <a:lstStyle/>
+          <a:p>
+            <a:pPr algn="ctr"/>
+            <a:endParaRPr lang="en-GB" dirty="0"/>
+          </a:p>
+        </p:txBody>
+      </p:sp>
     </p:spTree>
     <p:extLst>
       <p:ext uri="{BB962C8B-B14F-4D97-AF65-F5344CB8AC3E}">
